--- a/Group9.pptx
+++ b/Group9.pptx
@@ -5,7 +5,7 @@
     <p:sldMasterId id="2147483660" r:id="rId1"/>
   </p:sldMasterIdLst>
   <p:notesMasterIdLst>
-    <p:notesMasterId r:id="rId10"/>
+    <p:notesMasterId r:id="rId11"/>
   </p:notesMasterIdLst>
   <p:sldIdLst>
     <p:sldId id="256" r:id="rId2"/>
@@ -16,6 +16,7 @@
     <p:sldId id="270" r:id="rId7"/>
     <p:sldId id="272" r:id="rId8"/>
     <p:sldId id="278" r:id="rId9"/>
+    <p:sldId id="280" r:id="rId10"/>
   </p:sldIdLst>
   <p:sldSz cx="9144000" cy="6858000" type="screen4x3"/>
   <p:notesSz cx="6858000" cy="9144000"/>
@@ -136,12 +137,493 @@
 <file path=ppt/revisionInfo.xml><?xml version="1.0" encoding="utf-8"?>
 <p1510:revInfo xmlns:a="http://schemas.openxmlformats.org/drawingml/2006/main" xmlns:r="http://schemas.openxmlformats.org/officeDocument/2006/relationships" xmlns:p1510="http://schemas.microsoft.com/office/powerpoint/2015/10/main">
   <p1510:revLst>
-    <p1510:client id="{B1B76663-6BEE-D04F-B8DB-CD3B60B1D9CD}" v="230" dt="2019-01-27T07:22:01.830"/>
-    <p1510:client id="{6E9882A3-4A0F-4B33-BD8E-7331A0540D65}" v="20" dt="2019-01-27T07:22:00.908"/>
-    <p1510:client id="{CFB4D003-1052-00A9-DC45-F90A964C3ED8}" v="222" dt="2019-01-27T07:19:13.064"/>
-    <p1510:client id="{D91723BE-5BF8-4535-8F62-04F07D51DF2F}" v="16" dt="2019-01-27T07:21:16.469"/>
+    <p1510:client id="{B1B76663-6BEE-D04F-B8DB-CD3B60B1D9CD}" v="229" dt="2019-01-27T07:20:06.611"/>
+    <p1510:client id="{CFB4D003-1052-00A9-DC45-F90A964C3ED8}" v="298" dt="2019-01-27T07:23:46.189"/>
+    <p1510:client id="{7BAD5687-1B78-4480-B9FA-8F685E00A6F5}" v="253" dt="2019-01-27T07:31:12.562"/>
+    <p1510:client id="{6E9882A3-4A0F-4B33-BD8E-7331A0540D65}" v="294" dt="2019-01-27T07:24:18.931"/>
+    <p1510:client id="{D91723BE-5BF8-4535-8F62-04F07D51DF2F}" v="217" dt="2019-01-27T07:26:52.081"/>
   </p1510:revLst>
 </p1510:revInfo>
+</file>
+
+<file path=ppt/changesInfos/changesInfo1.xml><?xml version="1.0" encoding="utf-8"?>
+<pc:chgInfo xmlns:a="http://schemas.openxmlformats.org/drawingml/2006/main" xmlns:r="http://schemas.openxmlformats.org/officeDocument/2006/relationships" xmlns:ac="http://schemas.microsoft.com/office/drawing/2013/main/command" xmlns:pc="http://schemas.microsoft.com/office/powerpoint/2013/main/command">
+  <pc:docChgLst>
+    <pc:chgData name="YANG Wenbo" userId="S::wenboyang3-c@ad.cityu.edu.hk::cfd6a328-7360-41a6-ac01-bc314f99f8d7" providerId="AD" clId="Web-{CFB4D003-1052-00A9-DC45-F90A964C3ED8}"/>
+    <pc:docChg chg="addSld modSld sldOrd">
+      <pc:chgData name="YANG Wenbo" userId="S::wenboyang3-c@ad.cityu.edu.hk::cfd6a328-7360-41a6-ac01-bc314f99f8d7" providerId="AD" clId="Web-{CFB4D003-1052-00A9-DC45-F90A964C3ED8}" dt="2019-01-27T07:27:28.040" v="431" actId="20577"/>
+      <pc:docMkLst>
+        <pc:docMk/>
+      </pc:docMkLst>
+      <pc:sldChg chg="modSp">
+        <pc:chgData name="YANG Wenbo" userId="S::wenboyang3-c@ad.cityu.edu.hk::cfd6a328-7360-41a6-ac01-bc314f99f8d7" providerId="AD" clId="Web-{CFB4D003-1052-00A9-DC45-F90A964C3ED8}" dt="2019-01-27T07:07:06.110" v="28" actId="20577"/>
+        <pc:sldMkLst>
+          <pc:docMk/>
+          <pc:sldMk cId="308806293" sldId="271"/>
+        </pc:sldMkLst>
+        <pc:spChg chg="mod">
+          <ac:chgData name="YANG Wenbo" userId="S::wenboyang3-c@ad.cityu.edu.hk::cfd6a328-7360-41a6-ac01-bc314f99f8d7" providerId="AD" clId="Web-{CFB4D003-1052-00A9-DC45-F90A964C3ED8}" dt="2019-01-27T07:07:06.110" v="28" actId="20577"/>
+          <ac:spMkLst>
+            <pc:docMk/>
+            <pc:sldMk cId="308806293" sldId="271"/>
+            <ac:spMk id="43" creationId="{20D4FDB2-8AEC-41D7-8797-61A5FD7E08A5}"/>
+          </ac:spMkLst>
+        </pc:spChg>
+      </pc:sldChg>
+      <pc:sldChg chg="modSp">
+        <pc:chgData name="YANG Wenbo" userId="S::wenboyang3-c@ad.cityu.edu.hk::cfd6a328-7360-41a6-ac01-bc314f99f8d7" providerId="AD" clId="Web-{CFB4D003-1052-00A9-DC45-F90A964C3ED8}" dt="2019-01-27T07:14:01.725" v="170" actId="20577"/>
+        <pc:sldMkLst>
+          <pc:docMk/>
+          <pc:sldMk cId="2591160366" sldId="277"/>
+        </pc:sldMkLst>
+        <pc:spChg chg="mod">
+          <ac:chgData name="YANG Wenbo" userId="S::wenboyang3-c@ad.cityu.edu.hk::cfd6a328-7360-41a6-ac01-bc314f99f8d7" providerId="AD" clId="Web-{CFB4D003-1052-00A9-DC45-F90A964C3ED8}" dt="2019-01-27T07:14:01.725" v="170" actId="20577"/>
+          <ac:spMkLst>
+            <pc:docMk/>
+            <pc:sldMk cId="2591160366" sldId="277"/>
+            <ac:spMk id="10" creationId="{617B81EE-AE0F-4216-A36D-3E865A3CD2F6}"/>
+          </ac:spMkLst>
+        </pc:spChg>
+      </pc:sldChg>
+      <pc:sldChg chg="modSp new ord">
+        <pc:chgData name="YANG Wenbo" userId="S::wenboyang3-c@ad.cityu.edu.hk::cfd6a328-7360-41a6-ac01-bc314f99f8d7" providerId="AD" clId="Web-{CFB4D003-1052-00A9-DC45-F90A964C3ED8}" dt="2019-01-27T07:23:46.189" v="429" actId="20577"/>
+        <pc:sldMkLst>
+          <pc:docMk/>
+          <pc:sldMk cId="2324198349" sldId="279"/>
+        </pc:sldMkLst>
+        <pc:spChg chg="mod">
+          <ac:chgData name="YANG Wenbo" userId="S::wenboyang3-c@ad.cityu.edu.hk::cfd6a328-7360-41a6-ac01-bc314f99f8d7" providerId="AD" clId="Web-{CFB4D003-1052-00A9-DC45-F90A964C3ED8}" dt="2019-01-27T07:23:46.189" v="429" actId="20577"/>
+          <ac:spMkLst>
+            <pc:docMk/>
+            <pc:sldMk cId="2324198349" sldId="279"/>
+            <ac:spMk id="2" creationId="{1DC18FFF-6D84-4F89-A40C-4B5EFE37489F}"/>
+          </ac:spMkLst>
+        </pc:spChg>
+        <pc:spChg chg="mod">
+          <ac:chgData name="YANG Wenbo" userId="S::wenboyang3-c@ad.cityu.edu.hk::cfd6a328-7360-41a6-ac01-bc314f99f8d7" providerId="AD" clId="Web-{CFB4D003-1052-00A9-DC45-F90A964C3ED8}" dt="2019-01-27T07:22:43.156" v="301" actId="20577"/>
+          <ac:spMkLst>
+            <pc:docMk/>
+            <pc:sldMk cId="2324198349" sldId="279"/>
+            <ac:spMk id="3" creationId="{B2BCD05F-C8A3-464A-8A3F-53B2BCA36A2C}"/>
+          </ac:spMkLst>
+        </pc:spChg>
+      </pc:sldChg>
+    </pc:docChg>
+  </pc:docChgLst>
+  <pc:docChgLst>
+    <pc:chgData name="Guest User" userId="S::urn:spo:anon#6d244708e56f21c53a8017609d991731b4391445fad90a429e40fa0742aa924b::" providerId="AD" clId="Web-{6E9882A3-4A0F-4B33-BD8E-7331A0540D65}"/>
+    <pc:docChg chg="addSld modSld">
+      <pc:chgData name="Guest User" userId="S::urn:spo:anon#6d244708e56f21c53a8017609d991731b4391445fad90a429e40fa0742aa924b::" providerId="AD" clId="Web-{6E9882A3-4A0F-4B33-BD8E-7331A0540D65}" dt="2019-01-27T07:24:18.931" v="304" actId="1076"/>
+      <pc:docMkLst>
+        <pc:docMk/>
+      </pc:docMkLst>
+      <pc:sldChg chg="addSp delSp modSp">
+        <pc:chgData name="Guest User" userId="S::urn:spo:anon#6d244708e56f21c53a8017609d991731b4391445fad90a429e40fa0742aa924b::" providerId="AD" clId="Web-{6E9882A3-4A0F-4B33-BD8E-7331A0540D65}" dt="2019-01-27T07:24:18.931" v="304" actId="1076"/>
+        <pc:sldMkLst>
+          <pc:docMk/>
+          <pc:sldMk cId="2931489781" sldId="272"/>
+        </pc:sldMkLst>
+        <pc:spChg chg="add del mod">
+          <ac:chgData name="Guest User" userId="S::urn:spo:anon#6d244708e56f21c53a8017609d991731b4391445fad90a429e40fa0742aa924b::" providerId="AD" clId="Web-{6E9882A3-4A0F-4B33-BD8E-7331A0540D65}" dt="2019-01-27T07:21:51.845" v="19"/>
+          <ac:spMkLst>
+            <pc:docMk/>
+            <pc:sldMk cId="2931489781" sldId="272"/>
+            <ac:spMk id="4" creationId="{3B008891-5BCC-484D-8D6A-FF0ACACED4A0}"/>
+          </ac:spMkLst>
+        </pc:spChg>
+        <pc:spChg chg="add mod">
+          <ac:chgData name="Guest User" userId="S::urn:spo:anon#6d244708e56f21c53a8017609d991731b4391445fad90a429e40fa0742aa924b::" providerId="AD" clId="Web-{6E9882A3-4A0F-4B33-BD8E-7331A0540D65}" dt="2019-01-27T07:24:14.853" v="302" actId="1076"/>
+          <ac:spMkLst>
+            <pc:docMk/>
+            <pc:sldMk cId="2931489781" sldId="272"/>
+            <ac:spMk id="7" creationId="{ED144F76-AC00-4C9C-954E-CB8ED0A9CD09}"/>
+          </ac:spMkLst>
+        </pc:spChg>
+        <pc:spChg chg="add del mod">
+          <ac:chgData name="Guest User" userId="S::urn:spo:anon#6d244708e56f21c53a8017609d991731b4391445fad90a429e40fa0742aa924b::" providerId="AD" clId="Web-{6E9882A3-4A0F-4B33-BD8E-7331A0540D65}" dt="2019-01-27T07:22:03.330" v="30"/>
+          <ac:spMkLst>
+            <pc:docMk/>
+            <pc:sldMk cId="2931489781" sldId="272"/>
+            <ac:spMk id="76" creationId="{9ADB0B8E-A566-47D6-A13F-3FDD19B1426E}"/>
+          </ac:spMkLst>
+        </pc:spChg>
+        <pc:picChg chg="mod">
+          <ac:chgData name="Guest User" userId="S::urn:spo:anon#6d244708e56f21c53a8017609d991731b4391445fad90a429e40fa0742aa924b::" providerId="AD" clId="Web-{6E9882A3-4A0F-4B33-BD8E-7331A0540D65}" dt="2019-01-27T07:24:18.931" v="304" actId="1076"/>
+          <ac:picMkLst>
+            <pc:docMk/>
+            <pc:sldMk cId="2931489781" sldId="272"/>
+            <ac:picMk id="3" creationId="{5DADC247-7347-4410-A518-21BCDB1BD5E0}"/>
+          </ac:picMkLst>
+        </pc:picChg>
+      </pc:sldChg>
+      <pc:sldChg chg="add replId">
+        <pc:chgData name="Guest User" userId="S::urn:spo:anon#6d244708e56f21c53a8017609d991731b4391445fad90a429e40fa0742aa924b::" providerId="AD" clId="Web-{6E9882A3-4A0F-4B33-BD8E-7331A0540D65}" dt="2019-01-27T07:12:08.891" v="0"/>
+        <pc:sldMkLst>
+          <pc:docMk/>
+          <pc:sldMk cId="547830613" sldId="278"/>
+        </pc:sldMkLst>
+      </pc:sldChg>
+    </pc:docChg>
+  </pc:docChgLst>
+  <pc:docChgLst>
+    <pc:chgData name="XUE Kaiwen" userId="2d4d6e78-c990-4a73-83d2-42ec496ff339" providerId="ADAL" clId="{B1B76663-6BEE-D04F-B8DB-CD3B60B1D9CD}"/>
+    <pc:docChg chg="custSel addSld delSld modSld sldOrd">
+      <pc:chgData name="XUE Kaiwen" userId="2d4d6e78-c990-4a73-83d2-42ec496ff339" providerId="ADAL" clId="{B1B76663-6BEE-D04F-B8DB-CD3B60B1D9CD}" dt="2019-01-27T07:20:06.611" v="230" actId="27636"/>
+      <pc:docMkLst>
+        <pc:docMk/>
+      </pc:docMkLst>
+      <pc:sldChg chg="modSp">
+        <pc:chgData name="XUE Kaiwen" userId="2d4d6e78-c990-4a73-83d2-42ec496ff339" providerId="ADAL" clId="{B1B76663-6BEE-D04F-B8DB-CD3B60B1D9CD}" dt="2019-01-27T07:14:37.918" v="220" actId="20577"/>
+        <pc:sldMkLst>
+          <pc:docMk/>
+          <pc:sldMk cId="1872605740" sldId="257"/>
+        </pc:sldMkLst>
+        <pc:spChg chg="mod">
+          <ac:chgData name="XUE Kaiwen" userId="2d4d6e78-c990-4a73-83d2-42ec496ff339" providerId="ADAL" clId="{B1B76663-6BEE-D04F-B8DB-CD3B60B1D9CD}" dt="2019-01-27T07:13:19.929" v="174" actId="20577"/>
+          <ac:spMkLst>
+            <pc:docMk/>
+            <pc:sldMk cId="1872605740" sldId="257"/>
+            <ac:spMk id="2" creationId="{00000000-0000-0000-0000-000000000000}"/>
+          </ac:spMkLst>
+        </pc:spChg>
+        <pc:spChg chg="mod">
+          <ac:chgData name="XUE Kaiwen" userId="2d4d6e78-c990-4a73-83d2-42ec496ff339" providerId="ADAL" clId="{B1B76663-6BEE-D04F-B8DB-CD3B60B1D9CD}" dt="2019-01-27T07:14:37.918" v="220" actId="20577"/>
+          <ac:spMkLst>
+            <pc:docMk/>
+            <pc:sldMk cId="1872605740" sldId="257"/>
+            <ac:spMk id="3" creationId="{00000000-0000-0000-0000-000000000000}"/>
+          </ac:spMkLst>
+        </pc:spChg>
+      </pc:sldChg>
+      <pc:sldChg chg="addSp delSp modSp">
+        <pc:chgData name="XUE Kaiwen" userId="2d4d6e78-c990-4a73-83d2-42ec496ff339" providerId="ADAL" clId="{B1B76663-6BEE-D04F-B8DB-CD3B60B1D9CD}" dt="2019-01-27T07:13:34.307" v="177"/>
+        <pc:sldMkLst>
+          <pc:docMk/>
+          <pc:sldMk cId="2586141676" sldId="270"/>
+        </pc:sldMkLst>
+        <pc:spChg chg="mod">
+          <ac:chgData name="XUE Kaiwen" userId="2d4d6e78-c990-4a73-83d2-42ec496ff339" providerId="ADAL" clId="{B1B76663-6BEE-D04F-B8DB-CD3B60B1D9CD}" dt="2019-01-27T07:13:34.307" v="177"/>
+          <ac:spMkLst>
+            <pc:docMk/>
+            <pc:sldMk cId="2586141676" sldId="270"/>
+            <ac:spMk id="2" creationId="{00000000-0000-0000-0000-000000000000}"/>
+          </ac:spMkLst>
+        </pc:spChg>
+        <pc:spChg chg="mod">
+          <ac:chgData name="XUE Kaiwen" userId="2d4d6e78-c990-4a73-83d2-42ec496ff339" providerId="ADAL" clId="{B1B76663-6BEE-D04F-B8DB-CD3B60B1D9CD}" dt="2019-01-27T07:08:18.284" v="25" actId="1076"/>
+          <ac:spMkLst>
+            <pc:docMk/>
+            <pc:sldMk cId="2586141676" sldId="270"/>
+            <ac:spMk id="3" creationId="{61287FB1-6E93-48CE-83A7-9CC7ACC54FB5}"/>
+          </ac:spMkLst>
+        </pc:spChg>
+        <pc:spChg chg="mod">
+          <ac:chgData name="XUE Kaiwen" userId="2d4d6e78-c990-4a73-83d2-42ec496ff339" providerId="ADAL" clId="{B1B76663-6BEE-D04F-B8DB-CD3B60B1D9CD}" dt="2019-01-27T07:08:55.730" v="41" actId="20577"/>
+          <ac:spMkLst>
+            <pc:docMk/>
+            <pc:sldMk cId="2586141676" sldId="270"/>
+            <ac:spMk id="4" creationId="{58F75032-7817-47BE-8E44-6722F337D915}"/>
+          </ac:spMkLst>
+        </pc:spChg>
+        <pc:spChg chg="add mod">
+          <ac:chgData name="XUE Kaiwen" userId="2d4d6e78-c990-4a73-83d2-42ec496ff339" providerId="ADAL" clId="{B1B76663-6BEE-D04F-B8DB-CD3B60B1D9CD}" dt="2019-01-27T07:08:50.408" v="32" actId="1076"/>
+          <ac:spMkLst>
+            <pc:docMk/>
+            <pc:sldMk cId="2586141676" sldId="270"/>
+            <ac:spMk id="9" creationId="{D42EC612-5418-F64E-AB3D-459ABF5C7FDA}"/>
+          </ac:spMkLst>
+        </pc:spChg>
+        <pc:picChg chg="mod">
+          <ac:chgData name="XUE Kaiwen" userId="2d4d6e78-c990-4a73-83d2-42ec496ff339" providerId="ADAL" clId="{B1B76663-6BEE-D04F-B8DB-CD3B60B1D9CD}" dt="2019-01-27T07:09:05.924" v="42" actId="1076"/>
+          <ac:picMkLst>
+            <pc:docMk/>
+            <pc:sldMk cId="2586141676" sldId="270"/>
+            <ac:picMk id="6" creationId="{B6AC81DE-9007-AB40-8798-96BA7325CD0D}"/>
+          </ac:picMkLst>
+        </pc:picChg>
+        <pc:picChg chg="add del mod">
+          <ac:chgData name="XUE Kaiwen" userId="2d4d6e78-c990-4a73-83d2-42ec496ff339" providerId="ADAL" clId="{B1B76663-6BEE-D04F-B8DB-CD3B60B1D9CD}" dt="2019-01-27T07:06:18.136" v="3" actId="478"/>
+          <ac:picMkLst>
+            <pc:docMk/>
+            <pc:sldMk cId="2586141676" sldId="270"/>
+            <ac:picMk id="8" creationId="{CFCB1A97-DE39-E14A-9CBE-8756CE5B7F5B}"/>
+          </ac:picMkLst>
+        </pc:picChg>
+      </pc:sldChg>
+      <pc:sldChg chg="modSp">
+        <pc:chgData name="XUE Kaiwen" userId="2d4d6e78-c990-4a73-83d2-42ec496ff339" providerId="ADAL" clId="{B1B76663-6BEE-D04F-B8DB-CD3B60B1D9CD}" dt="2019-01-27T07:13:28.537" v="175"/>
+        <pc:sldMkLst>
+          <pc:docMk/>
+          <pc:sldMk cId="308806293" sldId="271"/>
+        </pc:sldMkLst>
+        <pc:spChg chg="mod">
+          <ac:chgData name="XUE Kaiwen" userId="2d4d6e78-c990-4a73-83d2-42ec496ff339" providerId="ADAL" clId="{B1B76663-6BEE-D04F-B8DB-CD3B60B1D9CD}" dt="2019-01-27T07:13:28.537" v="175"/>
+          <ac:spMkLst>
+            <pc:docMk/>
+            <pc:sldMk cId="308806293" sldId="271"/>
+            <ac:spMk id="2" creationId="{00000000-0000-0000-0000-000000000000}"/>
+          </ac:spMkLst>
+        </pc:spChg>
+      </pc:sldChg>
+      <pc:sldChg chg="modSp">
+        <pc:chgData name="XUE Kaiwen" userId="2d4d6e78-c990-4a73-83d2-42ec496ff339" providerId="ADAL" clId="{B1B76663-6BEE-D04F-B8DB-CD3B60B1D9CD}" dt="2019-01-27T07:14:45.963" v="224" actId="20577"/>
+        <pc:sldMkLst>
+          <pc:docMk/>
+          <pc:sldMk cId="2931489781" sldId="272"/>
+        </pc:sldMkLst>
+        <pc:spChg chg="mod">
+          <ac:chgData name="XUE Kaiwen" userId="2d4d6e78-c990-4a73-83d2-42ec496ff339" providerId="ADAL" clId="{B1B76663-6BEE-D04F-B8DB-CD3B60B1D9CD}" dt="2019-01-27T07:14:45.963" v="224" actId="20577"/>
+          <ac:spMkLst>
+            <pc:docMk/>
+            <pc:sldMk cId="2931489781" sldId="272"/>
+            <ac:spMk id="2" creationId="{00000000-0000-0000-0000-000000000000}"/>
+          </ac:spMkLst>
+        </pc:spChg>
+      </pc:sldChg>
+      <pc:sldChg chg="addSp delSp modSp ord">
+        <pc:chgData name="XUE Kaiwen" userId="2d4d6e78-c990-4a73-83d2-42ec496ff339" providerId="ADAL" clId="{B1B76663-6BEE-D04F-B8DB-CD3B60B1D9CD}" dt="2019-01-27T07:16:00.274" v="228"/>
+        <pc:sldMkLst>
+          <pc:docMk/>
+          <pc:sldMk cId="2591160366" sldId="277"/>
+        </pc:sldMkLst>
+        <pc:spChg chg="mod">
+          <ac:chgData name="XUE Kaiwen" userId="2d4d6e78-c990-4a73-83d2-42ec496ff339" providerId="ADAL" clId="{B1B76663-6BEE-D04F-B8DB-CD3B60B1D9CD}" dt="2019-01-27T07:13:31.315" v="176"/>
+          <ac:spMkLst>
+            <pc:docMk/>
+            <pc:sldMk cId="2591160366" sldId="277"/>
+            <ac:spMk id="2" creationId="{00000000-0000-0000-0000-000000000000}"/>
+          </ac:spMkLst>
+        </pc:spChg>
+        <pc:spChg chg="add del mod">
+          <ac:chgData name="XUE Kaiwen" userId="2d4d6e78-c990-4a73-83d2-42ec496ff339" providerId="ADAL" clId="{B1B76663-6BEE-D04F-B8DB-CD3B60B1D9CD}" dt="2019-01-27T07:12:22.523" v="54"/>
+          <ac:spMkLst>
+            <pc:docMk/>
+            <pc:sldMk cId="2591160366" sldId="277"/>
+            <ac:spMk id="3" creationId="{2ED7F693-531A-B04C-BCE7-164E9F11E6F6}"/>
+          </ac:spMkLst>
+        </pc:spChg>
+        <pc:spChg chg="del">
+          <ac:chgData name="XUE Kaiwen" userId="2d4d6e78-c990-4a73-83d2-42ec496ff339" providerId="ADAL" clId="{B1B76663-6BEE-D04F-B8DB-CD3B60B1D9CD}" dt="2019-01-27T07:10:02.259" v="43" actId="478"/>
+          <ac:spMkLst>
+            <pc:docMk/>
+            <pc:sldMk cId="2591160366" sldId="277"/>
+            <ac:spMk id="11" creationId="{0BFAE332-F3F7-4C54-A54F-8957D893312E}"/>
+          </ac:spMkLst>
+        </pc:spChg>
+        <pc:spChg chg="del">
+          <ac:chgData name="XUE Kaiwen" userId="2d4d6e78-c990-4a73-83d2-42ec496ff339" providerId="ADAL" clId="{B1B76663-6BEE-D04F-B8DB-CD3B60B1D9CD}" dt="2019-01-27T07:10:04.595" v="44" actId="478"/>
+          <ac:spMkLst>
+            <pc:docMk/>
+            <pc:sldMk cId="2591160366" sldId="277"/>
+            <ac:spMk id="15" creationId="{15A6A6A4-12EE-4B6B-B2E1-5949B72496C4}"/>
+          </ac:spMkLst>
+        </pc:spChg>
+        <pc:spChg chg="del">
+          <ac:chgData name="XUE Kaiwen" userId="2d4d6e78-c990-4a73-83d2-42ec496ff339" providerId="ADAL" clId="{B1B76663-6BEE-D04F-B8DB-CD3B60B1D9CD}" dt="2019-01-27T07:10:07.674" v="47" actId="478"/>
+          <ac:spMkLst>
+            <pc:docMk/>
+            <pc:sldMk cId="2591160366" sldId="277"/>
+            <ac:spMk id="16" creationId="{8603AB8B-CFBA-4379-9545-F24C155CA441}"/>
+          </ac:spMkLst>
+        </pc:spChg>
+        <pc:spChg chg="del">
+          <ac:chgData name="XUE Kaiwen" userId="2d4d6e78-c990-4a73-83d2-42ec496ff339" providerId="ADAL" clId="{B1B76663-6BEE-D04F-B8DB-CD3B60B1D9CD}" dt="2019-01-27T07:10:10.469" v="48" actId="478"/>
+          <ac:spMkLst>
+            <pc:docMk/>
+            <pc:sldMk cId="2591160366" sldId="277"/>
+            <ac:spMk id="17" creationId="{E132B324-4C16-4ABB-B8AF-31342A7142E7}"/>
+          </ac:spMkLst>
+        </pc:spChg>
+        <pc:spChg chg="del">
+          <ac:chgData name="XUE Kaiwen" userId="2d4d6e78-c990-4a73-83d2-42ec496ff339" providerId="ADAL" clId="{B1B76663-6BEE-D04F-B8DB-CD3B60B1D9CD}" dt="2019-01-27T07:10:12.003" v="49" actId="478"/>
+          <ac:spMkLst>
+            <pc:docMk/>
+            <pc:sldMk cId="2591160366" sldId="277"/>
+            <ac:spMk id="18" creationId="{48ECE1E7-AA31-4BEE-BBDF-C09BDB6CFD13}"/>
+          </ac:spMkLst>
+        </pc:spChg>
+        <pc:spChg chg="del mod">
+          <ac:chgData name="XUE Kaiwen" userId="2d4d6e78-c990-4a73-83d2-42ec496ff339" providerId="ADAL" clId="{B1B76663-6BEE-D04F-B8DB-CD3B60B1D9CD}" dt="2019-01-27T07:10:06.237" v="46" actId="478"/>
+          <ac:spMkLst>
+            <pc:docMk/>
+            <pc:sldMk cId="2591160366" sldId="277"/>
+            <ac:spMk id="19" creationId="{7425ED99-922C-48AD-9F6B-038A9D7D264F}"/>
+          </ac:spMkLst>
+        </pc:spChg>
+      </pc:sldChg>
+      <pc:sldChg chg="modSp">
+        <pc:chgData name="XUE Kaiwen" userId="2d4d6e78-c990-4a73-83d2-42ec496ff339" providerId="ADAL" clId="{B1B76663-6BEE-D04F-B8DB-CD3B60B1D9CD}" dt="2019-01-27T07:14:51.426" v="226" actId="20577"/>
+        <pc:sldMkLst>
+          <pc:docMk/>
+          <pc:sldMk cId="547830613" sldId="278"/>
+        </pc:sldMkLst>
+        <pc:spChg chg="mod">
+          <ac:chgData name="XUE Kaiwen" userId="2d4d6e78-c990-4a73-83d2-42ec496ff339" providerId="ADAL" clId="{B1B76663-6BEE-D04F-B8DB-CD3B60B1D9CD}" dt="2019-01-27T07:14:51.426" v="226" actId="20577"/>
+          <ac:spMkLst>
+            <pc:docMk/>
+            <pc:sldMk cId="547830613" sldId="278"/>
+            <ac:spMk id="2" creationId="{00000000-0000-0000-0000-000000000000}"/>
+          </ac:spMkLst>
+        </pc:spChg>
+      </pc:sldChg>
+      <pc:sldChg chg="add del">
+        <pc:chgData name="XUE Kaiwen" userId="2d4d6e78-c990-4a73-83d2-42ec496ff339" providerId="ADAL" clId="{B1B76663-6BEE-D04F-B8DB-CD3B60B1D9CD}" dt="2019-01-27T07:10:18.403" v="51"/>
+        <pc:sldMkLst>
+          <pc:docMk/>
+          <pc:sldMk cId="1130216075" sldId="278"/>
+        </pc:sldMkLst>
+      </pc:sldChg>
+      <pc:sldChg chg="modSp">
+        <pc:chgData name="XUE Kaiwen" userId="2d4d6e78-c990-4a73-83d2-42ec496ff339" providerId="ADAL" clId="{B1B76663-6BEE-D04F-B8DB-CD3B60B1D9CD}" dt="2019-01-27T07:20:06.611" v="230" actId="27636"/>
+        <pc:sldMkLst>
+          <pc:docMk/>
+          <pc:sldMk cId="2324198349" sldId="279"/>
+        </pc:sldMkLst>
+        <pc:spChg chg="mod">
+          <ac:chgData name="XUE Kaiwen" userId="2d4d6e78-c990-4a73-83d2-42ec496ff339" providerId="ADAL" clId="{B1B76663-6BEE-D04F-B8DB-CD3B60B1D9CD}" dt="2019-01-27T07:20:06.611" v="230" actId="27636"/>
+          <ac:spMkLst>
+            <pc:docMk/>
+            <pc:sldMk cId="2324198349" sldId="279"/>
+            <ac:spMk id="3" creationId="{B2BCD05F-C8A3-464A-8A3F-53B2BCA36A2C}"/>
+          </ac:spMkLst>
+        </pc:spChg>
+      </pc:sldChg>
+    </pc:docChg>
+  </pc:docChgLst>
+  <pc:docChgLst>
+    <pc:chgData name="XUE Kaiwen" userId="S::kaiwenxue3-c@ad.cityu.edu.hk::2d4d6e78-c990-4a73-83d2-42ec496ff339" providerId="AD" clId="Web-{7BAD5687-1B78-4480-B9FA-8F685E00A6F5}"/>
+    <pc:docChg chg="addSld modSld">
+      <pc:chgData name="XUE Kaiwen" userId="S::kaiwenxue3-c@ad.cityu.edu.hk::2d4d6e78-c990-4a73-83d2-42ec496ff339" providerId="AD" clId="Web-{7BAD5687-1B78-4480-B9FA-8F685E00A6F5}" dt="2019-01-27T07:31:12.562" v="510" actId="20577"/>
+      <pc:docMkLst>
+        <pc:docMk/>
+      </pc:docMkLst>
+      <pc:sldChg chg="modSp">
+        <pc:chgData name="XUE Kaiwen" userId="S::kaiwenxue3-c@ad.cityu.edu.hk::2d4d6e78-c990-4a73-83d2-42ec496ff339" providerId="AD" clId="Web-{7BAD5687-1B78-4480-B9FA-8F685E00A6F5}" dt="2019-01-27T07:27:30.154" v="12" actId="20577"/>
+        <pc:sldMkLst>
+          <pc:docMk/>
+          <pc:sldMk cId="2324198349" sldId="279"/>
+        </pc:sldMkLst>
+        <pc:spChg chg="mod">
+          <ac:chgData name="XUE Kaiwen" userId="S::kaiwenxue3-c@ad.cityu.edu.hk::2d4d6e78-c990-4a73-83d2-42ec496ff339" providerId="AD" clId="Web-{7BAD5687-1B78-4480-B9FA-8F685E00A6F5}" dt="2019-01-27T07:27:30.154" v="12" actId="20577"/>
+          <ac:spMkLst>
+            <pc:docMk/>
+            <pc:sldMk cId="2324198349" sldId="279"/>
+            <ac:spMk id="3" creationId="{B2BCD05F-C8A3-464A-8A3F-53B2BCA36A2C}"/>
+          </ac:spMkLst>
+        </pc:spChg>
+      </pc:sldChg>
+      <pc:sldChg chg="modSp new">
+        <pc:chgData name="XUE Kaiwen" userId="S::kaiwenxue3-c@ad.cityu.edu.hk::2d4d6e78-c990-4a73-83d2-42ec496ff339" providerId="AD" clId="Web-{7BAD5687-1B78-4480-B9FA-8F685E00A6F5}" dt="2019-01-27T07:31:12.562" v="509" actId="20577"/>
+        <pc:sldMkLst>
+          <pc:docMk/>
+          <pc:sldMk cId="480589234" sldId="280"/>
+        </pc:sldMkLst>
+        <pc:spChg chg="mod">
+          <ac:chgData name="XUE Kaiwen" userId="S::kaiwenxue3-c@ad.cityu.edu.hk::2d4d6e78-c990-4a73-83d2-42ec496ff339" providerId="AD" clId="Web-{7BAD5687-1B78-4480-B9FA-8F685E00A6F5}" dt="2019-01-27T07:31:12.562" v="509" actId="20577"/>
+          <ac:spMkLst>
+            <pc:docMk/>
+            <pc:sldMk cId="480589234" sldId="280"/>
+            <ac:spMk id="2" creationId="{044CA744-285C-487F-831F-41B4271F3B8E}"/>
+          </ac:spMkLst>
+        </pc:spChg>
+        <pc:spChg chg="mod">
+          <ac:chgData name="XUE Kaiwen" userId="S::kaiwenxue3-c@ad.cityu.edu.hk::2d4d6e78-c990-4a73-83d2-42ec496ff339" providerId="AD" clId="Web-{7BAD5687-1B78-4480-B9FA-8F685E00A6F5}" dt="2019-01-27T07:28:26.905" v="54" actId="20577"/>
+          <ac:spMkLst>
+            <pc:docMk/>
+            <pc:sldMk cId="480589234" sldId="280"/>
+            <ac:spMk id="3" creationId="{5B5D26B1-382E-42A3-AAAD-FDF5E29FD39E}"/>
+          </ac:spMkLst>
+        </pc:spChg>
+      </pc:sldChg>
+    </pc:docChg>
+  </pc:docChgLst>
+  <pc:docChgLst>
+    <pc:chgData name="QING Yuhao" userId="S::yqing2-c@ad.cityu.edu.hk::5938eed5-376a-4eae-9cc5-eda3b32a02bc" providerId="AD" clId="Web-{D91723BE-5BF8-4535-8F62-04F07D51DF2F}"/>
+    <pc:docChg chg="modSld sldOrd">
+      <pc:chgData name="QING Yuhao" userId="S::yqing2-c@ad.cityu.edu.hk::5938eed5-376a-4eae-9cc5-eda3b32a02bc" providerId="AD" clId="Web-{D91723BE-5BF8-4535-8F62-04F07D51DF2F}" dt="2019-01-27T07:26:52.081" v="226" actId="1076"/>
+      <pc:docMkLst>
+        <pc:docMk/>
+      </pc:docMkLst>
+      <pc:sldChg chg="addSp delSp modSp ord">
+        <pc:chgData name="QING Yuhao" userId="S::yqing2-c@ad.cityu.edu.hk::5938eed5-376a-4eae-9cc5-eda3b32a02bc" providerId="AD" clId="Web-{D91723BE-5BF8-4535-8F62-04F07D51DF2F}" dt="2019-01-27T07:21:12.125" v="22"/>
+        <pc:sldMkLst>
+          <pc:docMk/>
+          <pc:sldMk cId="2931489781" sldId="272"/>
+        </pc:sldMkLst>
+        <pc:picChg chg="add mod">
+          <ac:chgData name="QING Yuhao" userId="S::yqing2-c@ad.cityu.edu.hk::5938eed5-376a-4eae-9cc5-eda3b32a02bc" providerId="AD" clId="Web-{D91723BE-5BF8-4535-8F62-04F07D51DF2F}" dt="2019-01-27T07:20:40.625" v="21" actId="1076"/>
+          <ac:picMkLst>
+            <pc:docMk/>
+            <pc:sldMk cId="2931489781" sldId="272"/>
+            <ac:picMk id="3" creationId="{5DADC247-7347-4410-A518-21BCDB1BD5E0}"/>
+          </ac:picMkLst>
+        </pc:picChg>
+        <pc:picChg chg="add del mod">
+          <ac:chgData name="QING Yuhao" userId="S::yqing2-c@ad.cityu.edu.hk::5938eed5-376a-4eae-9cc5-eda3b32a02bc" providerId="AD" clId="Web-{D91723BE-5BF8-4535-8F62-04F07D51DF2F}" dt="2019-01-27T07:21:12.125" v="22"/>
+          <ac:picMkLst>
+            <pc:docMk/>
+            <pc:sldMk cId="2931489781" sldId="272"/>
+            <ac:picMk id="5" creationId="{CE9D7DD2-5FC4-48D8-822F-F47DFF6601CA}"/>
+          </ac:picMkLst>
+        </pc:picChg>
+      </pc:sldChg>
+      <pc:sldChg chg="addSp delSp modSp">
+        <pc:chgData name="QING Yuhao" userId="S::yqing2-c@ad.cityu.edu.hk::5938eed5-376a-4eae-9cc5-eda3b32a02bc" providerId="AD" clId="Web-{D91723BE-5BF8-4535-8F62-04F07D51DF2F}" dt="2019-01-27T07:26:52.081" v="226" actId="1076"/>
+        <pc:sldMkLst>
+          <pc:docMk/>
+          <pc:sldMk cId="547830613" sldId="278"/>
+        </pc:sldMkLst>
+        <pc:spChg chg="add mod">
+          <ac:chgData name="QING Yuhao" userId="S::yqing2-c@ad.cityu.edu.hk::5938eed5-376a-4eae-9cc5-eda3b32a02bc" providerId="AD" clId="Web-{D91723BE-5BF8-4535-8F62-04F07D51DF2F}" dt="2019-01-27T07:26:52.081" v="226" actId="1076"/>
+          <ac:spMkLst>
+            <pc:docMk/>
+            <pc:sldMk cId="547830613" sldId="278"/>
+            <ac:spMk id="7" creationId="{C00A92F6-C75D-423F-BDE6-035D2F1868D7}"/>
+          </ac:spMkLst>
+        </pc:spChg>
+        <pc:spChg chg="mod">
+          <ac:chgData name="QING Yuhao" userId="S::yqing2-c@ad.cityu.edu.hk::5938eed5-376a-4eae-9cc5-eda3b32a02bc" providerId="AD" clId="Web-{D91723BE-5BF8-4535-8F62-04F07D51DF2F}" dt="2019-01-27T07:24:30.656" v="27" actId="20577"/>
+          <ac:spMkLst>
+            <pc:docMk/>
+            <pc:sldMk cId="547830613" sldId="278"/>
+            <ac:spMk id="76" creationId="{9ADB0B8E-A566-47D6-A13F-3FDD19B1426E}"/>
+          </ac:spMkLst>
+        </pc:spChg>
+        <pc:picChg chg="add del mod">
+          <ac:chgData name="QING Yuhao" userId="S::yqing2-c@ad.cityu.edu.hk::5938eed5-376a-4eae-9cc5-eda3b32a02bc" providerId="AD" clId="Web-{D91723BE-5BF8-4535-8F62-04F07D51DF2F}" dt="2019-01-27T07:20:16.234" v="12"/>
+          <ac:picMkLst>
+            <pc:docMk/>
+            <pc:sldMk cId="547830613" sldId="278"/>
+            <ac:picMk id="3" creationId="{CFDA9213-7B9D-4670-8142-325215F24614}"/>
+          </ac:picMkLst>
+        </pc:picChg>
+        <pc:picChg chg="add mod">
+          <ac:chgData name="QING Yuhao" userId="S::yqing2-c@ad.cityu.edu.hk::5938eed5-376a-4eae-9cc5-eda3b32a02bc" providerId="AD" clId="Web-{D91723BE-5BF8-4535-8F62-04F07D51DF2F}" dt="2019-01-27T07:25:01.656" v="34" actId="1076"/>
+          <ac:picMkLst>
+            <pc:docMk/>
+            <pc:sldMk cId="547830613" sldId="278"/>
+            <ac:picMk id="5" creationId="{2DD825FB-9817-4243-9F91-8238AE3E3B89}"/>
+          </ac:picMkLst>
+        </pc:picChg>
+      </pc:sldChg>
+      <pc:sldChg chg="addSp delSp modSp">
+        <pc:chgData name="QING Yuhao" userId="S::yqing2-c@ad.cityu.edu.hk::5938eed5-376a-4eae-9cc5-eda3b32a02bc" providerId="AD" clId="Web-{D91723BE-5BF8-4535-8F62-04F07D51DF2F}" dt="2019-01-27T07:19:52.109" v="8"/>
+        <pc:sldMkLst>
+          <pc:docMk/>
+          <pc:sldMk cId="2324198349" sldId="279"/>
+        </pc:sldMkLst>
+        <pc:picChg chg="add del mod">
+          <ac:chgData name="QING Yuhao" userId="S::yqing2-c@ad.cityu.edu.hk::5938eed5-376a-4eae-9cc5-eda3b32a02bc" providerId="AD" clId="Web-{D91723BE-5BF8-4535-8F62-04F07D51DF2F}" dt="2019-01-27T07:19:52.109" v="8"/>
+          <ac:picMkLst>
+            <pc:docMk/>
+            <pc:sldMk cId="2324198349" sldId="279"/>
+            <ac:picMk id="4" creationId="{CFD371DA-2D2C-4AF3-914A-FBAFF802386B}"/>
+          </ac:picMkLst>
+        </pc:picChg>
+      </pc:sldChg>
+    </pc:docChg>
+  </pc:docChgLst>
+</pc:chgInfo>
 </file>
 
 <file path=ppt/notesMasters/notesMaster1.xml><?xml version="1.0" encoding="utf-8"?>
@@ -5814,14 +6296,14 @@
           <a:lstStyle/>
           <a:p>
             <a:r>
-              <a:rPr lang="en-US" altLang="zh-TW" dirty="0" err="1"/>
+              <a:rPr lang="en-US" altLang="zh-TW" err="1"/>
               <a:t>Starwatch</a:t>
             </a:r>
             <a:r>
-              <a:rPr lang="en-US" altLang="zh-TW" dirty="0"/>
+              <a:rPr lang="en-US" altLang="zh-TW"/>
               <a:t> – An Annual Report Information Extractor</a:t>
             </a:r>
-            <a:endParaRPr lang="zh-TW" altLang="en-US" dirty="0"/>
+            <a:endParaRPr lang="zh-TW" altLang="en-US"/>
           </a:p>
         </p:txBody>
       </p:sp>
@@ -5848,72 +6330,72 @@
           <a:lstStyle/>
           <a:p>
             <a:r>
-              <a:rPr lang="en-US" altLang="zh-TW" sz="3500" b="1" dirty="0"/>
+              <a:rPr lang="en-US" altLang="zh-TW" sz="3500" b="1"/>
               <a:t>Group </a:t>
             </a:r>
             <a:r>
-              <a:rPr lang="en-US" altLang="zh-CN" sz="3500" b="1" dirty="0"/>
+              <a:rPr lang="en-US" altLang="zh-CN" sz="3500" b="1"/>
               <a:t>9</a:t>
             </a:r>
-            <a:endParaRPr lang="en-US" altLang="zh-TW" sz="3500" b="1" dirty="0"/>
-          </a:p>
-          <a:p>
-            <a:r>
-              <a:rPr lang="en-US" altLang="zh-TW" sz="2500" dirty="0"/>
+            <a:endParaRPr lang="en-US" altLang="zh-TW" sz="3500" b="1"/>
+          </a:p>
+          <a:p>
+            <a:r>
+              <a:rPr lang="en-US" altLang="zh-TW" sz="2500"/>
               <a:t>XUE </a:t>
             </a:r>
             <a:r>
-              <a:rPr lang="en-US" altLang="zh-TW" sz="2500" dirty="0" err="1"/>
+              <a:rPr lang="en-US" altLang="zh-TW" sz="2500" err="1"/>
               <a:t>Kaiwen</a:t>
             </a:r>
-            <a:endParaRPr lang="en-US" altLang="zh-TW" sz="2500" dirty="0"/>
-          </a:p>
-          <a:p>
-            <a:r>
-              <a:rPr lang="en-US" altLang="zh-TW" sz="2500" dirty="0"/>
+            <a:endParaRPr lang="en-US" altLang="zh-TW" sz="2500"/>
+          </a:p>
+          <a:p>
+            <a:r>
+              <a:rPr lang="en-US" altLang="zh-TW" sz="2500"/>
               <a:t>YANG </a:t>
             </a:r>
             <a:r>
-              <a:rPr lang="en-US" altLang="zh-TW" sz="2500" dirty="0" err="1"/>
+              <a:rPr lang="en-US" altLang="zh-TW" sz="2500" err="1"/>
               <a:t>Wenbo</a:t>
             </a:r>
-            <a:endParaRPr lang="en-US" altLang="zh-TW" sz="2500" dirty="0"/>
-          </a:p>
-          <a:p>
-            <a:r>
-              <a:rPr lang="en-US" altLang="zh-TW" sz="2500" dirty="0"/>
+            <a:endParaRPr lang="en-US" altLang="zh-TW" sz="2500"/>
+          </a:p>
+          <a:p>
+            <a:r>
+              <a:rPr lang="en-US" altLang="zh-TW" sz="2500"/>
               <a:t>ZHANG </a:t>
             </a:r>
             <a:r>
-              <a:rPr lang="en-US" altLang="zh-TW" sz="2500" dirty="0" err="1"/>
+              <a:rPr lang="en-US" altLang="zh-TW" sz="2500" err="1"/>
               <a:t>Deheng</a:t>
             </a:r>
-            <a:endParaRPr lang="en-US" altLang="zh-TW" sz="2500" dirty="0"/>
-          </a:p>
-          <a:p>
-            <a:r>
-              <a:rPr lang="en-US" altLang="zh-TW" sz="2500" dirty="0"/>
+            <a:endParaRPr lang="en-US" altLang="zh-TW" sz="2500"/>
+          </a:p>
+          <a:p>
+            <a:r>
+              <a:rPr lang="en-US" altLang="zh-TW" sz="2500"/>
               <a:t>QING </a:t>
             </a:r>
             <a:r>
-              <a:rPr lang="en-US" altLang="zh-TW" sz="2500" dirty="0" err="1"/>
+              <a:rPr lang="en-US" altLang="zh-TW" sz="2500" err="1"/>
               <a:t>Yuhao</a:t>
             </a:r>
-            <a:endParaRPr lang="en-US" altLang="zh-TW" sz="2500" dirty="0"/>
-          </a:p>
-          <a:p>
-            <a:r>
-              <a:rPr lang="en-US" altLang="zh-TW" sz="2500" dirty="0"/>
+            <a:endParaRPr lang="en-US" altLang="zh-TW" sz="2500"/>
+          </a:p>
+          <a:p>
+            <a:r>
+              <a:rPr lang="en-US" altLang="zh-TW" sz="2500"/>
               <a:t>LI </a:t>
             </a:r>
             <a:r>
-              <a:rPr lang="en-US" altLang="zh-TW" sz="2500" dirty="0" err="1"/>
+              <a:rPr lang="en-US" altLang="zh-TW" sz="2500" err="1"/>
               <a:t>Chaohui</a:t>
             </a:r>
-            <a:endParaRPr lang="en-US" altLang="zh-TW" sz="2500" dirty="0"/>
-          </a:p>
-          <a:p>
-            <a:endParaRPr lang="zh-TW" altLang="en-US" dirty="0"/>
+            <a:endParaRPr lang="en-US" altLang="zh-TW" sz="2500"/>
+          </a:p>
+          <a:p>
+            <a:endParaRPr lang="zh-TW" altLang="en-US"/>
           </a:p>
         </p:txBody>
       </p:sp>
@@ -5964,15 +6446,15 @@
           </a:bodyPr>
           <a:lstStyle/>
           <a:p>
-            <a:endParaRPr lang="en-US" altLang="zh-TW" dirty="0"/>
-          </a:p>
-          <a:p>
-            <a:r>
-              <a:rPr lang="en-US" altLang="zh-TW" dirty="0" err="1"/>
+            <a:endParaRPr lang="en-US" altLang="zh-TW"/>
+          </a:p>
+          <a:p>
+            <a:r>
+              <a:rPr lang="en-US" altLang="zh-TW" err="1"/>
               <a:t>Starwatch</a:t>
             </a:r>
             <a:r>
-              <a:rPr lang="en-US" altLang="zh-TW" dirty="0"/>
+              <a:rPr lang="en-US" altLang="zh-TW"/>
               <a:t> Beta1.0 -- NLP Extractor</a:t>
             </a:r>
           </a:p>
@@ -5981,11 +6463,11 @@
               <a:buNone/>
             </a:pPr>
             <a:r>
-              <a:rPr lang="en-US" altLang="zh-TW" dirty="0"/>
+              <a:rPr lang="en-US" altLang="zh-TW"/>
               <a:t>	</a:t>
             </a:r>
             <a:r>
-              <a:rPr lang="en-US" altLang="zh-TW" sz="2400" dirty="0"/>
+              <a:rPr lang="en-US" altLang="zh-TW" sz="2400"/>
               <a:t>1. Convert PDF to XML file</a:t>
             </a:r>
           </a:p>
@@ -5994,7 +6476,7 @@
               <a:buNone/>
             </a:pPr>
             <a:r>
-              <a:rPr lang="en-US" altLang="zh-TW" sz="2400" dirty="0"/>
+              <a:rPr lang="en-US" altLang="zh-TW" sz="2400"/>
               <a:t>	2.  Add marking tags to XML</a:t>
             </a:r>
           </a:p>
@@ -6003,20 +6485,20 @@
               <a:buNone/>
             </a:pPr>
             <a:r>
-              <a:rPr lang="en-US" altLang="zh-TW" sz="2400" dirty="0"/>
+              <a:rPr lang="en-US" altLang="zh-TW" sz="2400"/>
               <a:t>	3. Extract intended information from XML</a:t>
             </a:r>
           </a:p>
           <a:p>
-            <a:endParaRPr lang="en-US" altLang="zh-TW" dirty="0"/>
-          </a:p>
-          <a:p>
-            <a:r>
-              <a:rPr lang="en-US" altLang="zh-TW" dirty="0" err="1"/>
+            <a:endParaRPr lang="en-US" altLang="zh-TW"/>
+          </a:p>
+          <a:p>
+            <a:r>
+              <a:rPr lang="en-US" altLang="zh-TW" err="1"/>
               <a:t>Starwatch</a:t>
             </a:r>
             <a:r>
-              <a:rPr lang="en-US" altLang="zh-TW" dirty="0"/>
+              <a:rPr lang="en-US" altLang="zh-TW"/>
               <a:t> Beta2.0 – LSTM RNN Network (Under construction)</a:t>
             </a:r>
           </a:p>
@@ -6025,11 +6507,11 @@
               <a:buNone/>
             </a:pPr>
             <a:r>
-              <a:rPr lang="en-US" altLang="zh-TW" dirty="0"/>
+              <a:rPr lang="en-US" altLang="zh-TW"/>
               <a:t>	</a:t>
             </a:r>
             <a:r>
-              <a:rPr lang="en-US" altLang="zh-TW" sz="2400" dirty="0"/>
+              <a:rPr lang="en-US" altLang="zh-TW" sz="2400"/>
               <a:t>1. Get a words’ frequency matrix from an annual report</a:t>
             </a:r>
           </a:p>
@@ -6038,7 +6520,7 @@
               <a:buNone/>
             </a:pPr>
             <a:r>
-              <a:rPr lang="en-US" altLang="zh-TW" sz="2400" dirty="0"/>
+              <a:rPr lang="en-US" altLang="zh-TW" sz="2400"/>
               <a:t>	2.  Derive a relation between frequency matrix and page</a:t>
             </a:r>
           </a:p>
@@ -6047,7 +6529,7 @@
               <a:buNone/>
             </a:pPr>
             <a:r>
-              <a:rPr lang="en-US" altLang="zh-TW" sz="2400" dirty="0"/>
+              <a:rPr lang="en-US" altLang="zh-TW" sz="2400"/>
               <a:t>	    importance matrix</a:t>
             </a:r>
           </a:p>
@@ -6056,7 +6538,7 @@
               <a:buNone/>
             </a:pPr>
             <a:r>
-              <a:rPr lang="en-US" altLang="zh-TW" sz="2400" dirty="0"/>
+              <a:rPr lang="en-US" altLang="zh-TW" sz="2400"/>
               <a:t>	3. Extract information by binary classification logistic regression</a:t>
             </a:r>
           </a:p>
@@ -6064,7 +6546,7 @@
             <a:pPr marL="0" indent="0">
               <a:buNone/>
             </a:pPr>
-            <a:endParaRPr lang="en-US" altLang="zh-TW" dirty="0"/>
+            <a:endParaRPr lang="en-US" altLang="zh-TW"/>
           </a:p>
         </p:txBody>
       </p:sp>
@@ -6084,10 +6566,10 @@
           <a:lstStyle/>
           <a:p>
             <a:r>
-              <a:rPr lang="en-US" altLang="zh-TW" dirty="0"/>
+              <a:rPr lang="en-US" altLang="zh-TW"/>
               <a:t>Outline</a:t>
             </a:r>
-            <a:endParaRPr lang="zh-TW" altLang="en-US" dirty="0"/>
+            <a:endParaRPr lang="zh-TW" altLang="en-US"/>
           </a:p>
         </p:txBody>
       </p:sp>
@@ -6139,11 +6621,11 @@
           <a:lstStyle/>
           <a:p>
             <a:r>
-              <a:rPr lang="en-US" altLang="zh-TW" dirty="0" err="1"/>
+              <a:rPr lang="en-US" altLang="zh-TW" err="1"/>
               <a:t>Starwatch</a:t>
             </a:r>
             <a:r>
-              <a:rPr lang="en-US" altLang="zh-TW" dirty="0"/>
+              <a:rPr lang="en-US" altLang="zh-TW"/>
               <a:t> Beta1.0 -- NLP Extractor</a:t>
             </a:r>
           </a:p>
@@ -6180,17 +6662,17 @@
           <a:p>
             <a:pPr algn="ctr"/>
             <a:r>
-              <a:rPr lang="en-US" altLang="zh-TW" sz="2400" dirty="0"/>
+              <a:rPr lang="en-US" altLang="zh-TW" sz="2400"/>
               <a:t>PDF file</a:t>
             </a:r>
           </a:p>
           <a:p>
             <a:pPr algn="ctr"/>
             <a:r>
-              <a:rPr lang="en-US" altLang="zh-TW" sz="2400" dirty="0"/>
+              <a:rPr lang="en-US" altLang="zh-TW" sz="2400"/>
               <a:t>(Annual Report)</a:t>
             </a:r>
-            <a:endParaRPr lang="zh-TW" altLang="en-US" sz="2400" dirty="0"/>
+            <a:endParaRPr lang="zh-TW" altLang="en-US" sz="2400"/>
           </a:p>
         </p:txBody>
       </p:sp>
@@ -6224,7 +6706,7 @@
           <a:lstStyle/>
           <a:p>
             <a:r>
-              <a:rPr lang="en-US" altLang="zh-TW" sz="2400" dirty="0"/>
+              <a:rPr lang="en-US" altLang="zh-TW" sz="2400"/>
               <a:t>XML file </a:t>
             </a:r>
           </a:p>
@@ -6261,10 +6743,10 @@
           <a:p>
             <a:pPr algn="ctr"/>
             <a:r>
-              <a:rPr lang="en-US" altLang="zh-TW" sz="2400" dirty="0"/>
+              <a:rPr lang="en-US" altLang="zh-TW" sz="2400"/>
               <a:t>Tags</a:t>
             </a:r>
-            <a:endParaRPr lang="zh-TW" altLang="en-US" sz="2400" dirty="0"/>
+            <a:endParaRPr lang="zh-TW" altLang="en-US" sz="2400"/>
           </a:p>
         </p:txBody>
       </p:sp>
@@ -6370,10 +6852,10 @@
           <a:lstStyle/>
           <a:p>
             <a:r>
-              <a:rPr lang="en-US" altLang="zh-TW" sz="2400" dirty="0"/>
+              <a:rPr lang="en-US" altLang="zh-TW" sz="2400"/>
               <a:t>PDF Miner</a:t>
             </a:r>
-            <a:endParaRPr lang="zh-TW" altLang="en-US" sz="2400" dirty="0"/>
+            <a:endParaRPr lang="zh-TW" altLang="en-US" sz="2400"/>
           </a:p>
         </p:txBody>
       </p:sp>
@@ -6410,7 +6892,7 @@
               <a:buAutoNum type="arabicPeriod"/>
             </a:pPr>
             <a:r>
-              <a:rPr lang="en-US" altLang="zh-TW" sz="2400" dirty="0"/>
+              <a:rPr lang="en-US" altLang="zh-TW" sz="2400"/>
               <a:t>Convert PDF to XML file</a:t>
             </a:r>
           </a:p>
@@ -6445,14 +6927,14 @@
           <a:lstStyle/>
           <a:p>
             <a:r>
-              <a:rPr lang="en-US" altLang="zh-CN" sz="2400" dirty="0"/>
+              <a:rPr lang="en-US" altLang="zh-CN" sz="2400"/>
               <a:t>2.    </a:t>
             </a:r>
             <a:r>
-              <a:rPr lang="en-US" altLang="zh-TW" sz="2400" dirty="0"/>
+              <a:rPr lang="en-US" altLang="zh-TW" sz="2400"/>
               <a:t>Add marking tags to XML</a:t>
             </a:r>
-            <a:endParaRPr lang="zh-CN" altLang="en-US" sz="2400" dirty="0"/>
+            <a:endParaRPr lang="zh-CN" altLang="en-US" sz="2400"/>
           </a:p>
         </p:txBody>
       </p:sp>
@@ -6539,11 +7021,11 @@
           <a:lstStyle/>
           <a:p>
             <a:r>
-              <a:rPr lang="en-US" altLang="zh-TW" dirty="0" err="1"/>
+              <a:rPr lang="en-US" altLang="zh-TW" err="1"/>
               <a:t>Starwatch</a:t>
             </a:r>
             <a:r>
-              <a:rPr lang="en-US" altLang="zh-TW" dirty="0"/>
+              <a:rPr lang="en-US" altLang="zh-TW"/>
               <a:t> Beta1.0 -- NLP Extractor</a:t>
             </a:r>
           </a:p>
@@ -6578,14 +7060,13 @@
           <a:lstStyle/>
           <a:p>
             <a:r>
-              <a:rPr lang="en-US" altLang="zh-CN" sz="2400" dirty="0"/>
+              <a:rPr lang="en-US" altLang="zh-CN" sz="2400"/>
               <a:t>3.   </a:t>
             </a:r>
             <a:r>
-              <a:rPr lang="en-US" altLang="zh-TW" sz="2400" dirty="0"/>
+              <a:rPr lang="en-US" altLang="zh-TW" sz="2400"/>
               <a:t>Extract intended information from XML</a:t>
             </a:r>
-            <a:endParaRPr lang="en-US" altLang="zh-TW" sz="2400"/>
           </a:p>
           <a:p>
             <a:pPr marL="800100" lvl="1" indent="-342900">
@@ -6594,7 +7075,11 @@
             </a:pPr>
             <a:r>
               <a:rPr lang="en-US" altLang="zh-TW" sz="2400"/>
-              <a:t>Take the advantages of the pattern of the document, eg.</a:t>
+              <a:t>Take the advantages of the pattern of the document, </a:t>
+            </a:r>
+            <a:r>
+              <a:rPr lang="en-US" altLang="zh-TW" sz="2400" err="1"/>
+              <a:t>eg.</a:t>
             </a:r>
           </a:p>
           <a:p>
@@ -6681,7 +7166,7 @@
           <a:p>
             <a:r>
               <a:rPr lang="en-US"/>
-              <a:t>Simple ML techniques.</a:t>
+              <a:t>Learn the frequency of words in all annual reports. </a:t>
             </a:r>
           </a:p>
           <a:p>
@@ -6690,7 +7175,7 @@
           <a:p>
             <a:r>
               <a:rPr lang="en-US"/>
-              <a:t>Unexpected high word frequency -&gt; the word is special. </a:t>
+              <a:t>Unexpected high word frequency -&gt; the word is special for that company. </a:t>
             </a:r>
           </a:p>
         </p:txBody>
@@ -6718,15 +7203,23 @@
           </a:bodyPr>
           <a:lstStyle/>
           <a:p>
-            <a:r>
-              <a:rPr lang="en-US" altLang="zh-TW" dirty="0" err="1"/>
+            <a:pPr>
+              <a:spcBef>
+                <a:spcPct val="20000"/>
+              </a:spcBef>
+            </a:pPr>
+            <a:r>
+              <a:rPr lang="en-US" altLang="zh-TW" err="1"/>
               <a:t>Starwatch</a:t>
             </a:r>
             <a:r>
               <a:rPr lang="en-US" altLang="zh-TW"/>
-              <a:t> Beta2.0 – LSTM RNN Network</a:t>
-            </a:r>
-            <a:endParaRPr lang="en-US"/>
+              <a:t> Beta 1.1 -- </a:t>
+            </a:r>
+            <a:r>
+              <a:rPr lang="en-US"/>
+              <a:t>Simple ML techniques</a:t>
+            </a:r>
           </a:p>
         </p:txBody>
       </p:sp>
@@ -6778,11 +7271,11 @@
           <a:lstStyle/>
           <a:p>
             <a:r>
-              <a:rPr lang="en-US" altLang="zh-TW" dirty="0" err="1"/>
+              <a:rPr lang="en-US" altLang="zh-TW" err="1"/>
               <a:t>Starwatch</a:t>
             </a:r>
             <a:r>
-              <a:rPr lang="en-US" altLang="zh-TW" dirty="0"/>
+              <a:rPr lang="en-US" altLang="zh-TW"/>
               <a:t> Beta1.0 -- NLP Extractor</a:t>
             </a:r>
           </a:p>
@@ -6817,10 +7310,10 @@
           <a:lstStyle/>
           <a:p>
             <a:r>
-              <a:rPr lang="en-US" altLang="zh-CN" sz="2800" b="1" dirty="0"/>
+              <a:rPr lang="en-US" altLang="zh-CN" sz="2800" b="1"/>
               <a:t>Demo</a:t>
             </a:r>
-            <a:endParaRPr lang="zh-CN" altLang="en-US" sz="2800" b="1" dirty="0"/>
+            <a:endParaRPr lang="zh-CN" altLang="en-US" sz="2800" b="1"/>
           </a:p>
         </p:txBody>
       </p:sp>
@@ -6856,7 +7349,7 @@
               <a:buAutoNum type="arabicPeriod"/>
             </a:pPr>
             <a:r>
-              <a:rPr lang="en-US" altLang="zh-CN" sz="2400" dirty="0"/>
+              <a:rPr lang="en-US" altLang="zh-CN" sz="2400"/>
               <a:t>API Usage</a:t>
             </a:r>
           </a:p>
@@ -6864,35 +7357,35 @@
             <a:pPr marL="457200" indent="-457200">
               <a:buAutoNum type="arabicPeriod"/>
             </a:pPr>
-            <a:endParaRPr lang="en-US" altLang="zh-CN" sz="2400" dirty="0"/>
+            <a:endParaRPr lang="en-US" altLang="zh-CN" sz="2400"/>
           </a:p>
           <a:p>
             <a:pPr marL="457200" indent="-457200">
               <a:buAutoNum type="arabicPeriod"/>
             </a:pPr>
-            <a:endParaRPr lang="en-US" altLang="zh-CN" sz="2400" dirty="0"/>
+            <a:endParaRPr lang="en-US" altLang="zh-CN" sz="2400"/>
           </a:p>
           <a:p>
             <a:pPr marL="457200" indent="-457200">
               <a:buAutoNum type="arabicPeriod"/>
             </a:pPr>
-            <a:endParaRPr lang="en-US" altLang="zh-CN" sz="2400" dirty="0"/>
+            <a:endParaRPr lang="en-US" altLang="zh-CN" sz="2400"/>
           </a:p>
           <a:p>
             <a:pPr marL="457200" indent="-457200">
               <a:buAutoNum type="arabicPeriod"/>
             </a:pPr>
-            <a:endParaRPr lang="en-US" altLang="zh-CN" sz="2400" dirty="0"/>
+            <a:endParaRPr lang="en-US" altLang="zh-CN" sz="2400"/>
           </a:p>
           <a:p>
             <a:pPr marL="457200" indent="-457200">
               <a:buAutoNum type="arabicPeriod"/>
             </a:pPr>
             <a:r>
-              <a:rPr lang="en-US" altLang="zh-CN" sz="2400" dirty="0"/>
+              <a:rPr lang="en-US" altLang="zh-CN" sz="2400"/>
               <a:t>Result</a:t>
             </a:r>
-            <a:endParaRPr lang="zh-CN" altLang="en-US" sz="2400" dirty="0"/>
+            <a:endParaRPr lang="zh-CN" altLang="en-US" sz="2400"/>
           </a:p>
         </p:txBody>
       </p:sp>
@@ -6965,7 +7458,7 @@
           <a:lstStyle/>
           <a:p>
             <a:r>
-              <a:rPr lang="en-US" sz="1400" dirty="0">
+              <a:rPr lang="en-US" sz="1400">
                 <a:solidFill>
                   <a:schemeClr val="bg1"/>
                 </a:solidFill>
@@ -6975,7 +7468,7 @@
               <a:t>import </a:t>
             </a:r>
             <a:r>
-              <a:rPr lang="en-US" sz="1400" dirty="0" err="1">
+              <a:rPr lang="en-US" sz="1400" err="1">
                 <a:solidFill>
                   <a:schemeClr val="bg1"/>
                 </a:solidFill>
@@ -6984,7 +7477,7 @@
               </a:rPr>
               <a:t>starwatch</a:t>
             </a:r>
-            <a:endParaRPr lang="en-US" sz="1400" dirty="0">
+            <a:endParaRPr lang="en-US" sz="1400">
               <a:solidFill>
                 <a:schemeClr val="bg1"/>
               </a:solidFill>
@@ -6994,7 +7487,7 @@
           </a:p>
           <a:p>
             <a:r>
-              <a:rPr lang="en-US" sz="1400" dirty="0">
+              <a:rPr lang="en-US" sz="1400">
                 <a:solidFill>
                   <a:schemeClr val="bg1"/>
                 </a:solidFill>
@@ -7004,7 +7497,7 @@
               <a:t>import </a:t>
             </a:r>
             <a:r>
-              <a:rPr lang="en-US" sz="1400" dirty="0" err="1">
+              <a:rPr lang="en-US" sz="1400" err="1">
                 <a:solidFill>
                   <a:schemeClr val="bg1"/>
                 </a:solidFill>
@@ -7013,7 +7506,7 @@
               </a:rPr>
               <a:t>starwatch.toxml</a:t>
             </a:r>
-            <a:endParaRPr lang="en-US" sz="1400" dirty="0">
+            <a:endParaRPr lang="en-US" sz="1400">
               <a:solidFill>
                 <a:schemeClr val="bg1"/>
               </a:solidFill>
@@ -7022,7 +7515,7 @@
             </a:endParaRPr>
           </a:p>
           <a:p>
-            <a:endParaRPr lang="en-US" sz="1400" dirty="0">
+            <a:endParaRPr lang="en-US" sz="1400">
               <a:solidFill>
                 <a:schemeClr val="bg1"/>
               </a:solidFill>
@@ -7032,7 +7525,7 @@
           </a:p>
           <a:p>
             <a:r>
-              <a:rPr lang="en-US" sz="1400" dirty="0" err="1">
+              <a:rPr lang="en-US" sz="1400" err="1">
                 <a:solidFill>
                   <a:schemeClr val="bg1"/>
                 </a:solidFill>
@@ -7042,7 +7535,7 @@
               <a:t>starwatch.toxml.toxml</a:t>
             </a:r>
             <a:r>
-              <a:rPr lang="en-US" sz="1400" dirty="0">
+              <a:rPr lang="en-US" sz="1400">
                 <a:solidFill>
                   <a:schemeClr val="bg1"/>
                 </a:solidFill>
@@ -7052,7 +7545,7 @@
               <a:t>("</a:t>
             </a:r>
             <a:r>
-              <a:rPr lang="en-US" sz="1400" dirty="0" err="1">
+              <a:rPr lang="en-US" sz="1400" err="1">
                 <a:solidFill>
                   <a:schemeClr val="bg1"/>
                 </a:solidFill>
@@ -7062,7 +7555,7 @@
               <a:t>tester.xml</a:t>
             </a:r>
             <a:r>
-              <a:rPr lang="en-US" sz="1400" dirty="0">
+              <a:rPr lang="en-US" sz="1400">
                 <a:solidFill>
                   <a:schemeClr val="bg1"/>
                 </a:solidFill>
@@ -7074,7 +7567,7 @@
           </a:p>
           <a:p>
             <a:r>
-              <a:rPr lang="en-US" sz="1400" dirty="0">
+              <a:rPr lang="en-US" sz="1400">
                 <a:solidFill>
                   <a:schemeClr val="bg1"/>
                 </a:solidFill>
@@ -7084,7 +7577,7 @@
               <a:t>res = </a:t>
             </a:r>
             <a:r>
-              <a:rPr lang="en-US" sz="1400" dirty="0" err="1">
+              <a:rPr lang="en-US" sz="1400" err="1">
                 <a:solidFill>
                   <a:schemeClr val="bg1"/>
                 </a:solidFill>
@@ -7094,7 +7587,7 @@
               <a:t>starwatch.extract_entity</a:t>
             </a:r>
             <a:r>
-              <a:rPr lang="en-US" sz="1400" dirty="0">
+              <a:rPr lang="en-US" sz="1400">
                 <a:solidFill>
                   <a:schemeClr val="bg1"/>
                 </a:solidFill>
@@ -7104,7 +7597,7 @@
               <a:t>("</a:t>
             </a:r>
             <a:r>
-              <a:rPr lang="en-US" sz="1400" dirty="0" err="1">
+              <a:rPr lang="en-US" sz="1400" err="1">
                 <a:solidFill>
                   <a:schemeClr val="bg1"/>
                 </a:solidFill>
@@ -7114,7 +7607,7 @@
               <a:t>tester.xml</a:t>
             </a:r>
             <a:r>
-              <a:rPr lang="en-US" sz="1400" dirty="0">
+              <a:rPr lang="en-US" sz="1400">
                 <a:solidFill>
                   <a:schemeClr val="bg1"/>
                 </a:solidFill>
@@ -7126,7 +7619,7 @@
           </a:p>
           <a:p>
             <a:r>
-              <a:rPr lang="en-US" sz="1400" dirty="0">
+              <a:rPr lang="en-US" sz="1400">
                 <a:solidFill>
                   <a:schemeClr val="bg1"/>
                 </a:solidFill>
@@ -7138,7 +7631,7 @@
           </a:p>
           <a:p>
             <a:r>
-              <a:rPr lang="en-US" sz="1400" dirty="0">
+              <a:rPr lang="en-US" sz="1400">
                 <a:solidFill>
                   <a:schemeClr val="bg1"/>
                 </a:solidFill>
@@ -7148,7 +7641,7 @@
               <a:t>res = </a:t>
             </a:r>
             <a:r>
-              <a:rPr lang="en-US" sz="1400" dirty="0" err="1">
+              <a:rPr lang="en-US" sz="1400" err="1">
                 <a:solidFill>
                   <a:schemeClr val="bg1"/>
                 </a:solidFill>
@@ -7158,7 +7651,7 @@
               <a:t>starwatch.extract_auditor</a:t>
             </a:r>
             <a:r>
-              <a:rPr lang="en-US" sz="1400" dirty="0">
+              <a:rPr lang="en-US" sz="1400">
                 <a:solidFill>
                   <a:schemeClr val="bg1"/>
                 </a:solidFill>
@@ -7168,7 +7661,7 @@
               <a:t>("</a:t>
             </a:r>
             <a:r>
-              <a:rPr lang="en-US" sz="1400" dirty="0" err="1">
+              <a:rPr lang="en-US" sz="1400" err="1">
                 <a:solidFill>
                   <a:schemeClr val="bg1"/>
                 </a:solidFill>
@@ -7178,7 +7671,7 @@
               <a:t>tester.xml</a:t>
             </a:r>
             <a:r>
-              <a:rPr lang="en-US" sz="1400" dirty="0">
+              <a:rPr lang="en-US" sz="1400">
                 <a:solidFill>
                   <a:schemeClr val="bg1"/>
                 </a:solidFill>
@@ -7190,7 +7683,7 @@
           </a:p>
           <a:p>
             <a:r>
-              <a:rPr lang="en-US" sz="1400" dirty="0">
+              <a:rPr lang="en-US" sz="1400">
                 <a:solidFill>
                   <a:schemeClr val="bg1"/>
                 </a:solidFill>
@@ -7202,7 +7695,7 @@
           </a:p>
           <a:p>
             <a:r>
-              <a:rPr lang="en-US" sz="1400" dirty="0">
+              <a:rPr lang="en-US" sz="1400">
                 <a:solidFill>
                   <a:schemeClr val="bg1"/>
                 </a:solidFill>
@@ -7212,7 +7705,7 @@
               <a:t>res = </a:t>
             </a:r>
             <a:r>
-              <a:rPr lang="en-US" sz="1400" dirty="0" err="1">
+              <a:rPr lang="en-US" sz="1400" err="1">
                 <a:solidFill>
                   <a:schemeClr val="bg1"/>
                 </a:solidFill>
@@ -7222,7 +7715,7 @@
               <a:t>starwatch.extract_num</a:t>
             </a:r>
             <a:r>
-              <a:rPr lang="en-US" sz="1400" dirty="0">
+              <a:rPr lang="en-US" sz="1400">
                 <a:solidFill>
                   <a:schemeClr val="bg1"/>
                 </a:solidFill>
@@ -7232,7 +7725,7 @@
               <a:t>("</a:t>
             </a:r>
             <a:r>
-              <a:rPr lang="en-US" sz="1400" dirty="0" err="1">
+              <a:rPr lang="en-US" sz="1400" err="1">
                 <a:solidFill>
                   <a:schemeClr val="bg1"/>
                 </a:solidFill>
@@ -7242,7 +7735,7 @@
               <a:t>tester.xml</a:t>
             </a:r>
             <a:r>
-              <a:rPr lang="en-US" sz="1400" dirty="0">
+              <a:rPr lang="en-US" sz="1400">
                 <a:solidFill>
                   <a:schemeClr val="bg1"/>
                 </a:solidFill>
@@ -7254,7 +7747,7 @@
           </a:p>
           <a:p>
             <a:r>
-              <a:rPr lang="en-US" sz="1400" dirty="0">
+              <a:rPr lang="en-US" sz="1400">
                 <a:solidFill>
                   <a:schemeClr val="bg1"/>
                 </a:solidFill>
@@ -7314,49 +7807,13 @@
           <a:lstStyle/>
           <a:p>
             <a:r>
-              <a:rPr lang="en-US" altLang="zh-TW" dirty="0" err="1"/>
+              <a:rPr lang="en-US" altLang="zh-TW" err="1"/>
               <a:t>Starwatch</a:t>
             </a:r>
             <a:r>
-              <a:rPr lang="en-US" altLang="zh-TW" dirty="0"/>
+              <a:rPr lang="en-US" altLang="zh-TW"/>
               <a:t> Beta2.0 – LSTM RNN Network</a:t>
             </a:r>
-          </a:p>
-        </p:txBody>
-      </p:sp>
-      <p:sp>
-        <p:nvSpPr>
-          <p:cNvPr id="76" name="文本框 75">
-            <a:extLst>
-              <a:ext uri="{FF2B5EF4-FFF2-40B4-BE49-F238E27FC236}">
-                <a16:creationId xmlns:a16="http://schemas.microsoft.com/office/drawing/2014/main" id="{9ADB0B8E-A566-47D6-A13F-3FDD19B1426E}"/>
-              </a:ext>
-            </a:extLst>
-          </p:cNvPr>
-          <p:cNvSpPr txBox="1"/>
-          <p:nvPr/>
-        </p:nvSpPr>
-        <p:spPr>
-          <a:xfrm>
-            <a:off x="755576" y="1916832"/>
-            <a:ext cx="6984776" cy="461665"/>
-          </a:xfrm>
-          <a:prstGeom prst="rect">
-            <a:avLst/>
-          </a:prstGeom>
-          <a:noFill/>
-        </p:spPr>
-        <p:txBody>
-          <a:bodyPr wrap="square" rtlCol="0" anchor="t">
-            <a:spAutoFit/>
-          </a:bodyPr>
-          <a:lstStyle/>
-          <a:p>
-            <a:pPr marL="342900" indent="-342900">
-              <a:buFontTx/>
-              <a:buAutoNum type="arabicPeriod"/>
-            </a:pPr>
-            <a:endParaRPr lang="en-US" altLang="zh-TW" sz="2400"/>
           </a:p>
         </p:txBody>
       </p:sp>
@@ -7382,14 +7839,167 @@
         </p:blipFill>
         <p:spPr>
           <a:xfrm>
-            <a:off x="1317812" y="4226764"/>
-            <a:ext cx="5715629" cy="2557501"/>
+            <a:off x="1267431" y="1884086"/>
+            <a:ext cx="6836587" cy="3061302"/>
           </a:xfrm>
           <a:prstGeom prst="rect">
             <a:avLst/>
           </a:prstGeom>
         </p:spPr>
       </p:pic>
+      <p:sp>
+        <p:nvSpPr>
+          <p:cNvPr id="7" name="文本框 75">
+            <a:extLst>
+              <a:ext uri="{FF2B5EF4-FFF2-40B4-BE49-F238E27FC236}">
+                <a16:creationId xmlns:a16="http://schemas.microsoft.com/office/drawing/2014/main" id="{ED144F76-AC00-4C9C-954E-CB8ED0A9CD09}"/>
+              </a:ext>
+            </a:extLst>
+          </p:cNvPr>
+          <p:cNvSpPr txBox="1"/>
+          <p:nvPr/>
+        </p:nvSpPr>
+        <p:spPr>
+          <a:xfrm>
+            <a:off x="1372733" y="5241923"/>
+            <a:ext cx="6984776" cy="1200329"/>
+          </a:xfrm>
+          <a:prstGeom prst="rect">
+            <a:avLst/>
+          </a:prstGeom>
+          <a:noFill/>
+        </p:spPr>
+        <p:txBody>
+          <a:bodyPr wrap="square" rtlCol="0" anchor="t">
+            <a:spAutoFit/>
+          </a:bodyPr>
+          <a:lstStyle>
+            <a:defPPr>
+              <a:defRPr lang="zh-TW"/>
+            </a:defPPr>
+            <a:lvl1pPr marL="0" algn="l" defTabSz="914400" rtl="0" eaLnBrk="1" latinLnBrk="0" hangingPunct="1">
+              <a:defRPr sz="1800" kern="1200">
+                <a:solidFill>
+                  <a:schemeClr val="tx1"/>
+                </a:solidFill>
+                <a:latin typeface="+mn-lt"/>
+                <a:ea typeface="+mn-ea"/>
+                <a:cs typeface="+mn-cs"/>
+              </a:defRPr>
+            </a:lvl1pPr>
+            <a:lvl2pPr marL="457200" algn="l" defTabSz="914400" rtl="0" eaLnBrk="1" latinLnBrk="0" hangingPunct="1">
+              <a:defRPr sz="1800" kern="1200">
+                <a:solidFill>
+                  <a:schemeClr val="tx1"/>
+                </a:solidFill>
+                <a:latin typeface="+mn-lt"/>
+                <a:ea typeface="+mn-ea"/>
+                <a:cs typeface="+mn-cs"/>
+              </a:defRPr>
+            </a:lvl2pPr>
+            <a:lvl3pPr marL="914400" algn="l" defTabSz="914400" rtl="0" eaLnBrk="1" latinLnBrk="0" hangingPunct="1">
+              <a:defRPr sz="1800" kern="1200">
+                <a:solidFill>
+                  <a:schemeClr val="tx1"/>
+                </a:solidFill>
+                <a:latin typeface="+mn-lt"/>
+                <a:ea typeface="+mn-ea"/>
+                <a:cs typeface="+mn-cs"/>
+              </a:defRPr>
+            </a:lvl3pPr>
+            <a:lvl4pPr marL="1371600" algn="l" defTabSz="914400" rtl="0" eaLnBrk="1" latinLnBrk="0" hangingPunct="1">
+              <a:defRPr sz="1800" kern="1200">
+                <a:solidFill>
+                  <a:schemeClr val="tx1"/>
+                </a:solidFill>
+                <a:latin typeface="+mn-lt"/>
+                <a:ea typeface="+mn-ea"/>
+                <a:cs typeface="+mn-cs"/>
+              </a:defRPr>
+            </a:lvl4pPr>
+            <a:lvl5pPr marL="1828800" algn="l" defTabSz="914400" rtl="0" eaLnBrk="1" latinLnBrk="0" hangingPunct="1">
+              <a:defRPr sz="1800" kern="1200">
+                <a:solidFill>
+                  <a:schemeClr val="tx1"/>
+                </a:solidFill>
+                <a:latin typeface="+mn-lt"/>
+                <a:ea typeface="+mn-ea"/>
+                <a:cs typeface="+mn-cs"/>
+              </a:defRPr>
+            </a:lvl5pPr>
+            <a:lvl6pPr marL="2286000" algn="l" defTabSz="914400" rtl="0" eaLnBrk="1" latinLnBrk="0" hangingPunct="1">
+              <a:defRPr sz="1800" kern="1200">
+                <a:solidFill>
+                  <a:schemeClr val="tx1"/>
+                </a:solidFill>
+                <a:latin typeface="+mn-lt"/>
+                <a:ea typeface="+mn-ea"/>
+                <a:cs typeface="+mn-cs"/>
+              </a:defRPr>
+            </a:lvl6pPr>
+            <a:lvl7pPr marL="2743200" algn="l" defTabSz="914400" rtl="0" eaLnBrk="1" latinLnBrk="0" hangingPunct="1">
+              <a:defRPr sz="1800" kern="1200">
+                <a:solidFill>
+                  <a:schemeClr val="tx1"/>
+                </a:solidFill>
+                <a:latin typeface="+mn-lt"/>
+                <a:ea typeface="+mn-ea"/>
+                <a:cs typeface="+mn-cs"/>
+              </a:defRPr>
+            </a:lvl7pPr>
+            <a:lvl8pPr marL="3200400" algn="l" defTabSz="914400" rtl="0" eaLnBrk="1" latinLnBrk="0" hangingPunct="1">
+              <a:defRPr sz="1800" kern="1200">
+                <a:solidFill>
+                  <a:schemeClr val="tx1"/>
+                </a:solidFill>
+                <a:latin typeface="+mn-lt"/>
+                <a:ea typeface="+mn-ea"/>
+                <a:cs typeface="+mn-cs"/>
+              </a:defRPr>
+            </a:lvl8pPr>
+            <a:lvl9pPr marL="3657600" algn="l" defTabSz="914400" rtl="0" eaLnBrk="1" latinLnBrk="0" hangingPunct="1">
+              <a:defRPr sz="1800" kern="1200">
+                <a:solidFill>
+                  <a:schemeClr val="tx1"/>
+                </a:solidFill>
+                <a:latin typeface="+mn-lt"/>
+                <a:ea typeface="+mn-ea"/>
+                <a:cs typeface="+mn-cs"/>
+              </a:defRPr>
+            </a:lvl9pPr>
+          </a:lstStyle>
+          <a:p>
+            <a:pPr marL="342900" indent="-342900">
+              <a:buFontTx/>
+              <a:buAutoNum type="arabicPeriod"/>
+            </a:pPr>
+            <a:r>
+              <a:rPr lang="en-US" altLang="zh-TW" sz="2400"/>
+              <a:t>Each row represent a page</a:t>
+            </a:r>
+          </a:p>
+          <a:p>
+            <a:pPr marL="342900" indent="-342900">
+              <a:buFontTx/>
+              <a:buAutoNum type="arabicPeriod"/>
+            </a:pPr>
+            <a:r>
+              <a:rPr lang="en-US" altLang="zh-TW" sz="2400"/>
+              <a:t>Attribute vector: A vector of frequencies</a:t>
+            </a:r>
+          </a:p>
+          <a:p>
+            <a:pPr marL="342900" indent="-342900">
+              <a:buFontTx/>
+              <a:buAutoNum type="arabicPeriod"/>
+            </a:pPr>
+            <a:r>
+              <a:rPr lang="en-US" altLang="zh-TW" sz="2400"/>
+              <a:t>Output : Page importance</a:t>
+            </a:r>
+          </a:p>
+        </p:txBody>
+      </p:sp>
     </p:spTree>
     <p:extLst>
       <p:ext uri="{BB962C8B-B14F-4D97-AF65-F5344CB8AC3E}">
@@ -7438,14 +8048,14 @@
           <a:lstStyle/>
           <a:p>
             <a:r>
-              <a:rPr lang="en-US" altLang="zh-TW" dirty="0" err="1"/>
+              <a:rPr lang="en-US" altLang="zh-TW" err="1"/>
               <a:t>Starwatch</a:t>
             </a:r>
             <a:r>
-              <a:rPr lang="en-US" altLang="zh-TW" dirty="0"/>
+              <a:rPr lang="en-US" altLang="zh-TW"/>
               <a:t> Beta2.0 – LSTM RNN Network</a:t>
             </a:r>
-            <a:endParaRPr lang="zh-TW" altLang="en-US" dirty="0"/>
+            <a:endParaRPr lang="zh-TW" altLang="en-US"/>
           </a:p>
         </p:txBody>
       </p:sp>
@@ -7464,7 +8074,7 @@
         <p:spPr>
           <a:xfrm>
             <a:off x="755576" y="1916832"/>
-            <a:ext cx="6984776" cy="2308324"/>
+            <a:ext cx="6984776" cy="461665"/>
           </a:xfrm>
           <a:prstGeom prst="rect">
             <a:avLst/>
@@ -7472,39 +8082,12 @@
           <a:noFill/>
         </p:spPr>
         <p:txBody>
-          <a:bodyPr wrap="square" rtlCol="0">
+          <a:bodyPr wrap="square" rtlCol="0" anchor="t">
             <a:spAutoFit/>
           </a:bodyPr>
           <a:lstStyle/>
           <a:p>
-            <a:pPr marL="342900" indent="-342900">
-              <a:buFont typeface="+mj-lt"/>
-              <a:buAutoNum type="arabicPeriod"/>
-            </a:pPr>
-            <a:r>
-              <a:rPr lang="en-US" altLang="zh-TW" sz="2400" dirty="0"/>
-              <a:t>Get a words’ frequency matrix from an annual report</a:t>
-            </a:r>
-          </a:p>
-          <a:p>
-            <a:pPr marL="342900" indent="-342900">
-              <a:buFont typeface="+mj-lt"/>
-              <a:buAutoNum type="arabicPeriod"/>
-            </a:pPr>
-            <a:r>
-              <a:rPr lang="en-US" altLang="zh-TW" sz="2400" dirty="0"/>
-              <a:t>Derive a relation between frequency matrix and page importance matrix</a:t>
-            </a:r>
-          </a:p>
-          <a:p>
-            <a:pPr marL="342900" indent="-342900">
-              <a:buFont typeface="+mj-lt"/>
-              <a:buAutoNum type="arabicPeriod"/>
-            </a:pPr>
-            <a:r>
-              <a:rPr lang="en-US" altLang="zh-TW" sz="2400" dirty="0"/>
-              <a:t>Extract information by binary classification logistic regression</a:t>
-            </a:r>
+            <a:endParaRPr lang="en-US" altLang="zh-TW" sz="2400"/>
           </a:p>
         </p:txBody>
       </p:sp>
@@ -7530,18 +8113,327 @@
         </p:blipFill>
         <p:spPr>
           <a:xfrm>
-            <a:off x="3034898" y="4623483"/>
-            <a:ext cx="2743200" cy="1438275"/>
+            <a:off x="1431595" y="1882353"/>
+            <a:ext cx="6291155" cy="3300175"/>
           </a:xfrm>
           <a:prstGeom prst="rect">
             <a:avLst/>
           </a:prstGeom>
         </p:spPr>
       </p:pic>
+      <p:sp>
+        <p:nvSpPr>
+          <p:cNvPr id="7" name="文本框 75">
+            <a:extLst>
+              <a:ext uri="{FF2B5EF4-FFF2-40B4-BE49-F238E27FC236}">
+                <a16:creationId xmlns:a16="http://schemas.microsoft.com/office/drawing/2014/main" id="{C00A92F6-C75D-423F-BDE6-035D2F1868D7}"/>
+              </a:ext>
+            </a:extLst>
+          </p:cNvPr>
+          <p:cNvSpPr txBox="1"/>
+          <p:nvPr/>
+        </p:nvSpPr>
+        <p:spPr>
+          <a:xfrm>
+            <a:off x="1429624" y="5448801"/>
+            <a:ext cx="6984776" cy="830997"/>
+          </a:xfrm>
+          <a:prstGeom prst="rect">
+            <a:avLst/>
+          </a:prstGeom>
+          <a:noFill/>
+        </p:spPr>
+        <p:txBody>
+          <a:bodyPr wrap="square" rtlCol="0" anchor="t">
+            <a:spAutoFit/>
+          </a:bodyPr>
+          <a:lstStyle>
+            <a:defPPr>
+              <a:defRPr lang="zh-TW"/>
+            </a:defPPr>
+            <a:lvl1pPr marL="0" algn="l" defTabSz="914400" rtl="0" eaLnBrk="1" latinLnBrk="0" hangingPunct="1">
+              <a:defRPr sz="1800" kern="1200">
+                <a:solidFill>
+                  <a:schemeClr val="tx1"/>
+                </a:solidFill>
+                <a:latin typeface="+mn-lt"/>
+                <a:ea typeface="+mn-ea"/>
+                <a:cs typeface="+mn-cs"/>
+              </a:defRPr>
+            </a:lvl1pPr>
+            <a:lvl2pPr marL="457200" algn="l" defTabSz="914400" rtl="0" eaLnBrk="1" latinLnBrk="0" hangingPunct="1">
+              <a:defRPr sz="1800" kern="1200">
+                <a:solidFill>
+                  <a:schemeClr val="tx1"/>
+                </a:solidFill>
+                <a:latin typeface="+mn-lt"/>
+                <a:ea typeface="+mn-ea"/>
+                <a:cs typeface="+mn-cs"/>
+              </a:defRPr>
+            </a:lvl2pPr>
+            <a:lvl3pPr marL="914400" algn="l" defTabSz="914400" rtl="0" eaLnBrk="1" latinLnBrk="0" hangingPunct="1">
+              <a:defRPr sz="1800" kern="1200">
+                <a:solidFill>
+                  <a:schemeClr val="tx1"/>
+                </a:solidFill>
+                <a:latin typeface="+mn-lt"/>
+                <a:ea typeface="+mn-ea"/>
+                <a:cs typeface="+mn-cs"/>
+              </a:defRPr>
+            </a:lvl3pPr>
+            <a:lvl4pPr marL="1371600" algn="l" defTabSz="914400" rtl="0" eaLnBrk="1" latinLnBrk="0" hangingPunct="1">
+              <a:defRPr sz="1800" kern="1200">
+                <a:solidFill>
+                  <a:schemeClr val="tx1"/>
+                </a:solidFill>
+                <a:latin typeface="+mn-lt"/>
+                <a:ea typeface="+mn-ea"/>
+                <a:cs typeface="+mn-cs"/>
+              </a:defRPr>
+            </a:lvl4pPr>
+            <a:lvl5pPr marL="1828800" algn="l" defTabSz="914400" rtl="0" eaLnBrk="1" latinLnBrk="0" hangingPunct="1">
+              <a:defRPr sz="1800" kern="1200">
+                <a:solidFill>
+                  <a:schemeClr val="tx1"/>
+                </a:solidFill>
+                <a:latin typeface="+mn-lt"/>
+                <a:ea typeface="+mn-ea"/>
+                <a:cs typeface="+mn-cs"/>
+              </a:defRPr>
+            </a:lvl5pPr>
+            <a:lvl6pPr marL="2286000" algn="l" defTabSz="914400" rtl="0" eaLnBrk="1" latinLnBrk="0" hangingPunct="1">
+              <a:defRPr sz="1800" kern="1200">
+                <a:solidFill>
+                  <a:schemeClr val="tx1"/>
+                </a:solidFill>
+                <a:latin typeface="+mn-lt"/>
+                <a:ea typeface="+mn-ea"/>
+                <a:cs typeface="+mn-cs"/>
+              </a:defRPr>
+            </a:lvl6pPr>
+            <a:lvl7pPr marL="2743200" algn="l" defTabSz="914400" rtl="0" eaLnBrk="1" latinLnBrk="0" hangingPunct="1">
+              <a:defRPr sz="1800" kern="1200">
+                <a:solidFill>
+                  <a:schemeClr val="tx1"/>
+                </a:solidFill>
+                <a:latin typeface="+mn-lt"/>
+                <a:ea typeface="+mn-ea"/>
+                <a:cs typeface="+mn-cs"/>
+              </a:defRPr>
+            </a:lvl7pPr>
+            <a:lvl8pPr marL="3200400" algn="l" defTabSz="914400" rtl="0" eaLnBrk="1" latinLnBrk="0" hangingPunct="1">
+              <a:defRPr sz="1800" kern="1200">
+                <a:solidFill>
+                  <a:schemeClr val="tx1"/>
+                </a:solidFill>
+                <a:latin typeface="+mn-lt"/>
+                <a:ea typeface="+mn-ea"/>
+                <a:cs typeface="+mn-cs"/>
+              </a:defRPr>
+            </a:lvl8pPr>
+            <a:lvl9pPr marL="3657600" algn="l" defTabSz="914400" rtl="0" eaLnBrk="1" latinLnBrk="0" hangingPunct="1">
+              <a:defRPr sz="1800" kern="1200">
+                <a:solidFill>
+                  <a:schemeClr val="tx1"/>
+                </a:solidFill>
+                <a:latin typeface="+mn-lt"/>
+                <a:ea typeface="+mn-ea"/>
+                <a:cs typeface="+mn-cs"/>
+              </a:defRPr>
+            </a:lvl9pPr>
+          </a:lstStyle>
+          <a:p>
+            <a:pPr marL="342900" indent="-342900">
+              <a:buFontTx/>
+              <a:buAutoNum type="arabicPeriod"/>
+            </a:pPr>
+            <a:r>
+              <a:rPr lang="en-US" altLang="zh-TW" sz="2400"/>
+              <a:t>Input : sentences in the selected important pages</a:t>
+            </a:r>
+          </a:p>
+          <a:p>
+            <a:pPr marL="342900" indent="-342900">
+              <a:buFontTx/>
+              <a:buAutoNum type="arabicPeriod"/>
+            </a:pPr>
+            <a:r>
+              <a:rPr lang="en-US" altLang="zh-TW" sz="2400"/>
+              <a:t>Output : </a:t>
+            </a:r>
+            <a:r>
+              <a:rPr lang="en-US" altLang="zh-TW" sz="2400" err="1"/>
+              <a:t>contents's</a:t>
+            </a:r>
+            <a:r>
+              <a:rPr lang="en-US" altLang="zh-TW" sz="2400"/>
+              <a:t> information label</a:t>
+            </a:r>
+          </a:p>
+        </p:txBody>
+      </p:sp>
     </p:spTree>
     <p:extLst>
       <p:ext uri="{BB962C8B-B14F-4D97-AF65-F5344CB8AC3E}">
         <p14:creationId xmlns:p14="http://schemas.microsoft.com/office/powerpoint/2010/main" val="547830613"/>
+      </p:ext>
+    </p:extLst>
+  </p:cSld>
+  <p:clrMapOvr>
+    <a:masterClrMapping/>
+  </p:clrMapOvr>
+</p:sld>
+</file>
+
+<file path=ppt/slides/slide9.xml><?xml version="1.0" encoding="utf-8"?>
+<p:sld xmlns:a="http://schemas.openxmlformats.org/drawingml/2006/main" xmlns:r="http://schemas.openxmlformats.org/officeDocument/2006/relationships" xmlns:p="http://schemas.openxmlformats.org/presentationml/2006/main">
+  <p:cSld>
+    <p:spTree>
+      <p:nvGrpSpPr>
+        <p:cNvPr id="1" name=""/>
+        <p:cNvGrpSpPr/>
+        <p:nvPr/>
+      </p:nvGrpSpPr>
+      <p:grpSpPr>
+        <a:xfrm>
+          <a:off x="0" y="0"/>
+          <a:ext cx="0" cy="0"/>
+          <a:chOff x="0" y="0"/>
+          <a:chExt cx="0" cy="0"/>
+        </a:xfrm>
+      </p:grpSpPr>
+      <p:sp>
+        <p:nvSpPr>
+          <p:cNvPr id="2" name="Content Placeholder 1">
+            <a:extLst>
+              <a:ext uri="{FF2B5EF4-FFF2-40B4-BE49-F238E27FC236}">
+                <a16:creationId xmlns:a16="http://schemas.microsoft.com/office/drawing/2014/main" id="{044CA744-285C-487F-831F-41B4271F3B8E}"/>
+              </a:ext>
+            </a:extLst>
+          </p:cNvPr>
+          <p:cNvSpPr>
+            <a:spLocks noGrp="1"/>
+          </p:cNvSpPr>
+          <p:nvPr>
+            <p:ph idx="1"/>
+          </p:nvPr>
+        </p:nvSpPr>
+        <p:spPr/>
+        <p:txBody>
+          <a:bodyPr vert="horz" lIns="91440" tIns="45720" rIns="91440" bIns="45720" rtlCol="0" anchor="t">
+            <a:normAutofit lnSpcReduction="10000"/>
+          </a:bodyPr>
+          <a:lstStyle/>
+          <a:p>
+            <a:r>
+              <a:rPr lang="en-US"/>
+              <a:t>XUE </a:t>
+            </a:r>
+            <a:r>
+              <a:rPr lang="en-US" err="1"/>
+              <a:t>Kaiwen</a:t>
+            </a:r>
+            <a:r>
+              <a:rPr lang="en-US"/>
+              <a:t> – Financial Statement extraction, API making</a:t>
+            </a:r>
+          </a:p>
+          <a:p>
+            <a:r>
+              <a:rPr lang="en-US"/>
+              <a:t>YANG Wenbo – Entity extraction, PDF converter design</a:t>
+            </a:r>
+          </a:p>
+          <a:p>
+            <a:r>
+              <a:rPr lang="en-US"/>
+              <a:t>ZHANG </a:t>
+            </a:r>
+            <a:r>
+              <a:rPr lang="en-US" err="1"/>
+              <a:t>Deheng</a:t>
+            </a:r>
+            <a:r>
+              <a:rPr lang="en-US"/>
+              <a:t> – Audit information extraction, Beta 2.0 design</a:t>
+            </a:r>
+          </a:p>
+          <a:p>
+            <a:r>
+              <a:rPr lang="en-US"/>
+              <a:t>QING </a:t>
+            </a:r>
+            <a:r>
+              <a:rPr lang="en-US" err="1"/>
+              <a:t>Yuhao</a:t>
+            </a:r>
+            <a:r>
+              <a:rPr lang="en-US"/>
+              <a:t> – Beta 2.0 design and implementation</a:t>
+            </a:r>
+          </a:p>
+          <a:p>
+            <a:r>
+              <a:rPr lang="en-US"/>
+              <a:t>LI </a:t>
+            </a:r>
+            <a:r>
+              <a:rPr lang="en-US" err="1"/>
+              <a:t>Chaohui</a:t>
+            </a:r>
+            <a:r>
+              <a:rPr lang="en-US"/>
+              <a:t> – Planning, PPT</a:t>
+            </a:r>
+          </a:p>
+        </p:txBody>
+      </p:sp>
+      <p:sp>
+        <p:nvSpPr>
+          <p:cNvPr id="3" name="Title 2">
+            <a:extLst>
+              <a:ext uri="{FF2B5EF4-FFF2-40B4-BE49-F238E27FC236}">
+                <a16:creationId xmlns:a16="http://schemas.microsoft.com/office/drawing/2014/main" id="{5B5D26B1-382E-42A3-AAAD-FDF5E29FD39E}"/>
+              </a:ext>
+            </a:extLst>
+          </p:cNvPr>
+          <p:cNvSpPr>
+            <a:spLocks noGrp="1"/>
+          </p:cNvSpPr>
+          <p:nvPr>
+            <p:ph type="title"/>
+          </p:nvPr>
+        </p:nvSpPr>
+        <p:spPr>
+          <a:xfrm>
+            <a:off x="457200" y="351724"/>
+            <a:ext cx="8229600" cy="1143000"/>
+          </a:xfrm>
+        </p:spPr>
+        <p:txBody>
+          <a:bodyPr>
+            <a:normAutofit/>
+          </a:bodyPr>
+          <a:lstStyle/>
+          <a:p>
+            <a:r>
+              <a:rPr lang="en-US"/>
+              <a:t>Contribution</a:t>
+            </a:r>
+          </a:p>
+          <a:p>
+            <a:endParaRPr lang="en-US">
+              <a:solidFill>
+                <a:schemeClr val="tx1"/>
+              </a:solidFill>
+            </a:endParaRPr>
+          </a:p>
+        </p:txBody>
+      </p:sp>
+    </p:spTree>
+    <p:extLst>
+      <p:ext uri="{BB962C8B-B14F-4D97-AF65-F5344CB8AC3E}">
+        <p14:creationId xmlns:p14="http://schemas.microsoft.com/office/powerpoint/2010/main" val="480589234"/>
       </p:ext>
     </p:extLst>
   </p:cSld>
